--- a/Team 17.pptx
+++ b/Team 17.pptx
@@ -5,7 +5,7 @@
     <p:sldMasterId id="2147483679" r:id="rId1"/>
   </p:sldMasterIdLst>
   <p:notesMasterIdLst>
-    <p:notesMasterId r:id="rId22"/>
+    <p:notesMasterId r:id="rId26"/>
   </p:notesMasterIdLst>
   <p:sldIdLst>
     <p:sldId id="256" r:id="rId2"/>
@@ -18,40 +18,44 @@
     <p:sldId id="322" r:id="rId9"/>
     <p:sldId id="318" r:id="rId10"/>
     <p:sldId id="319" r:id="rId11"/>
-    <p:sldId id="320" r:id="rId12"/>
-    <p:sldId id="321" r:id="rId13"/>
-    <p:sldId id="323" r:id="rId14"/>
-    <p:sldId id="324" r:id="rId15"/>
-    <p:sldId id="327" r:id="rId16"/>
-    <p:sldId id="330" r:id="rId17"/>
-    <p:sldId id="325" r:id="rId18"/>
-    <p:sldId id="326" r:id="rId19"/>
-    <p:sldId id="328" r:id="rId20"/>
-    <p:sldId id="329" r:id="rId21"/>
+    <p:sldId id="323" r:id="rId12"/>
+    <p:sldId id="324" r:id="rId13"/>
+    <p:sldId id="331" r:id="rId14"/>
+    <p:sldId id="332" r:id="rId15"/>
+    <p:sldId id="333" r:id="rId16"/>
+    <p:sldId id="334" r:id="rId17"/>
+    <p:sldId id="335" r:id="rId18"/>
+    <p:sldId id="336" r:id="rId19"/>
+    <p:sldId id="327" r:id="rId20"/>
+    <p:sldId id="330" r:id="rId21"/>
+    <p:sldId id="325" r:id="rId22"/>
+    <p:sldId id="326" r:id="rId23"/>
+    <p:sldId id="328" r:id="rId24"/>
+    <p:sldId id="329" r:id="rId25"/>
   </p:sldIdLst>
   <p:sldSz cx="9144000" cy="5143500" type="screen16x9"/>
   <p:notesSz cx="6858000" cy="9144000"/>
   <p:embeddedFontLst>
     <p:embeddedFont>
       <p:font typeface="Lato" panose="020F0502020204030203" pitchFamily="34" charset="0"/>
-      <p:regular r:id="rId23"/>
-      <p:bold r:id="rId24"/>
-      <p:italic r:id="rId25"/>
-      <p:boldItalic r:id="rId26"/>
-    </p:embeddedFont>
-    <p:embeddedFont>
-      <p:font typeface="Nunito" pitchFamily="2" charset="0"/>
       <p:regular r:id="rId27"/>
       <p:bold r:id="rId28"/>
       <p:italic r:id="rId29"/>
       <p:boldItalic r:id="rId30"/>
     </p:embeddedFont>
     <p:embeddedFont>
-      <p:font typeface="Nunito Medium" panose="020B0604020202020204" charset="0"/>
+      <p:font typeface="Nunito" pitchFamily="2" charset="0"/>
       <p:regular r:id="rId31"/>
       <p:bold r:id="rId32"/>
       <p:italic r:id="rId33"/>
       <p:boldItalic r:id="rId34"/>
+    </p:embeddedFont>
+    <p:embeddedFont>
+      <p:font typeface="Nunito Medium" panose="020B0604020202020204" charset="0"/>
+      <p:regular r:id="rId35"/>
+      <p:bold r:id="rId36"/>
+      <p:italic r:id="rId37"/>
+      <p:boldItalic r:id="rId38"/>
     </p:embeddedFont>
   </p:embeddedFontLst>
   <p:defaultTextStyle>
@@ -11450,196 +11454,6 @@
           <a:chExt cx="0" cy="0"/>
         </a:xfrm>
       </p:grpSpPr>
-      <p:pic>
-        <p:nvPicPr>
-          <p:cNvPr id="5" name="Picture 4">
-            <a:extLst>
-              <a:ext uri="{FF2B5EF4-FFF2-40B4-BE49-F238E27FC236}">
-                <a16:creationId xmlns:a16="http://schemas.microsoft.com/office/drawing/2014/main" id="{BA1B2A2E-F64B-8072-7CF6-01D15C8C1FC0}"/>
-              </a:ext>
-            </a:extLst>
-          </p:cNvPr>
-          <p:cNvPicPr>
-            <a:picLocks noChangeAspect="1"/>
-          </p:cNvPicPr>
-          <p:nvPr/>
-        </p:nvPicPr>
-        <p:blipFill>
-          <a:blip r:embed="rId2"/>
-          <a:stretch>
-            <a:fillRect/>
-          </a:stretch>
-        </p:blipFill>
-        <p:spPr>
-          <a:xfrm>
-            <a:off x="492369" y="858128"/>
-            <a:ext cx="8166296" cy="3974123"/>
-          </a:xfrm>
-          <a:prstGeom prst="rect">
-            <a:avLst/>
-          </a:prstGeom>
-        </p:spPr>
-      </p:pic>
-      <p:sp>
-        <p:nvSpPr>
-          <p:cNvPr id="6" name="TextBox 5">
-            <a:extLst>
-              <a:ext uri="{FF2B5EF4-FFF2-40B4-BE49-F238E27FC236}">
-                <a16:creationId xmlns:a16="http://schemas.microsoft.com/office/drawing/2014/main" id="{A56DDD17-A68C-2584-C5A9-38A76CA44943}"/>
-              </a:ext>
-            </a:extLst>
-          </p:cNvPr>
-          <p:cNvSpPr txBox="1"/>
-          <p:nvPr/>
-        </p:nvSpPr>
-        <p:spPr>
-          <a:xfrm>
-            <a:off x="3311879" y="311249"/>
-            <a:ext cx="2520242" cy="523220"/>
-          </a:xfrm>
-          <a:prstGeom prst="rect">
-            <a:avLst/>
-          </a:prstGeom>
-          <a:noFill/>
-        </p:spPr>
-        <p:txBody>
-          <a:bodyPr wrap="none" rtlCol="0">
-            <a:spAutoFit/>
-          </a:bodyPr>
-          <a:lstStyle/>
-          <a:p>
-            <a:r>
-              <a:rPr lang="en-IN" sz="2800" b="1" dirty="0"/>
-              <a:t>DASHBOARD</a:t>
-            </a:r>
-          </a:p>
-        </p:txBody>
-      </p:sp>
-    </p:spTree>
-    <p:extLst>
-      <p:ext uri="{BB962C8B-B14F-4D97-AF65-F5344CB8AC3E}">
-        <p14:creationId xmlns:p14="http://schemas.microsoft.com/office/powerpoint/2010/main" val="4091596514"/>
-      </p:ext>
-    </p:extLst>
-  </p:cSld>
-  <p:clrMapOvr>
-    <a:masterClrMapping/>
-  </p:clrMapOvr>
-</p:sld>
-</file>
-
-<file path=ppt/slides/slide12.xml><?xml version="1.0" encoding="utf-8"?>
-<p:sld xmlns:a="http://schemas.openxmlformats.org/drawingml/2006/main" xmlns:r="http://schemas.openxmlformats.org/officeDocument/2006/relationships" xmlns:p="http://schemas.openxmlformats.org/presentationml/2006/main">
-  <p:cSld>
-    <p:spTree>
-      <p:nvGrpSpPr>
-        <p:cNvPr id="1" name=""/>
-        <p:cNvGrpSpPr/>
-        <p:nvPr/>
-      </p:nvGrpSpPr>
-      <p:grpSpPr>
-        <a:xfrm>
-          <a:off x="0" y="0"/>
-          <a:ext cx="0" cy="0"/>
-          <a:chOff x="0" y="0"/>
-          <a:chExt cx="0" cy="0"/>
-        </a:xfrm>
-      </p:grpSpPr>
-      <p:pic>
-        <p:nvPicPr>
-          <p:cNvPr id="5" name="Picture 4">
-            <a:extLst>
-              <a:ext uri="{FF2B5EF4-FFF2-40B4-BE49-F238E27FC236}">
-                <a16:creationId xmlns:a16="http://schemas.microsoft.com/office/drawing/2014/main" id="{09C410C1-A7F3-C47B-D90E-3463768DE1DC}"/>
-              </a:ext>
-            </a:extLst>
-          </p:cNvPr>
-          <p:cNvPicPr>
-            <a:picLocks noChangeAspect="1"/>
-          </p:cNvPicPr>
-          <p:nvPr/>
-        </p:nvPicPr>
-        <p:blipFill>
-          <a:blip r:embed="rId2"/>
-          <a:stretch>
-            <a:fillRect/>
-          </a:stretch>
-        </p:blipFill>
-        <p:spPr>
-          <a:xfrm>
-            <a:off x="499403" y="844061"/>
-            <a:ext cx="8088923" cy="3981157"/>
-          </a:xfrm>
-          <a:prstGeom prst="rect">
-            <a:avLst/>
-          </a:prstGeom>
-        </p:spPr>
-      </p:pic>
-      <p:sp>
-        <p:nvSpPr>
-          <p:cNvPr id="6" name="TextBox 5">
-            <a:extLst>
-              <a:ext uri="{FF2B5EF4-FFF2-40B4-BE49-F238E27FC236}">
-                <a16:creationId xmlns:a16="http://schemas.microsoft.com/office/drawing/2014/main" id="{B8C4E39E-C21D-D09B-4C40-65C8D91F8EA5}"/>
-              </a:ext>
-            </a:extLst>
-          </p:cNvPr>
-          <p:cNvSpPr txBox="1"/>
-          <p:nvPr/>
-        </p:nvSpPr>
-        <p:spPr>
-          <a:xfrm>
-            <a:off x="3311879" y="250503"/>
-            <a:ext cx="2520242" cy="523220"/>
-          </a:xfrm>
-          <a:prstGeom prst="rect">
-            <a:avLst/>
-          </a:prstGeom>
-          <a:noFill/>
-        </p:spPr>
-        <p:txBody>
-          <a:bodyPr wrap="none" rtlCol="0">
-            <a:spAutoFit/>
-          </a:bodyPr>
-          <a:lstStyle/>
-          <a:p>
-            <a:r>
-              <a:rPr lang="en-IN" sz="2800" b="1" dirty="0"/>
-              <a:t>DASHBOARD</a:t>
-            </a:r>
-          </a:p>
-        </p:txBody>
-      </p:sp>
-    </p:spTree>
-    <p:extLst>
-      <p:ext uri="{BB962C8B-B14F-4D97-AF65-F5344CB8AC3E}">
-        <p14:creationId xmlns:p14="http://schemas.microsoft.com/office/powerpoint/2010/main" val="718873091"/>
-      </p:ext>
-    </p:extLst>
-  </p:cSld>
-  <p:clrMapOvr>
-    <a:masterClrMapping/>
-  </p:clrMapOvr>
-</p:sld>
-</file>
-
-<file path=ppt/slides/slide13.xml><?xml version="1.0" encoding="utf-8"?>
-<p:sld xmlns:a="http://schemas.openxmlformats.org/drawingml/2006/main" xmlns:r="http://schemas.openxmlformats.org/officeDocument/2006/relationships" xmlns:p="http://schemas.openxmlformats.org/presentationml/2006/main">
-  <p:cSld>
-    <p:spTree>
-      <p:nvGrpSpPr>
-        <p:cNvPr id="1" name=""/>
-        <p:cNvGrpSpPr/>
-        <p:nvPr/>
-      </p:nvGrpSpPr>
-      <p:grpSpPr>
-        <a:xfrm>
-          <a:off x="0" y="0"/>
-          <a:ext cx="0" cy="0"/>
-          <a:chOff x="0" y="0"/>
-          <a:chExt cx="0" cy="0"/>
-        </a:xfrm>
-      </p:grpSpPr>
       <p:sp>
         <p:nvSpPr>
           <p:cNvPr id="2" name="Title 1">
@@ -11806,7 +11620,7 @@
 </p:sld>
 </file>
 
-<file path=ppt/slides/slide14.xml><?xml version="1.0" encoding="utf-8"?>
+<file path=ppt/slides/slide12.xml><?xml version="1.0" encoding="utf-8"?>
 <p:sld xmlns:a="http://schemas.openxmlformats.org/drawingml/2006/main" xmlns:r="http://schemas.openxmlformats.org/officeDocument/2006/relationships" xmlns:p="http://schemas.openxmlformats.org/presentationml/2006/main">
   <p:cSld>
     <p:spTree>
@@ -12047,7 +11861,1860 @@
 </p:sld>
 </file>
 
+<file path=ppt/slides/slide13.xml><?xml version="1.0" encoding="utf-8"?>
+<p:sld xmlns:a="http://schemas.openxmlformats.org/drawingml/2006/main" xmlns:r="http://schemas.openxmlformats.org/officeDocument/2006/relationships" xmlns:p="http://schemas.openxmlformats.org/presentationml/2006/main">
+  <p:cSld>
+    <p:spTree>
+      <p:nvGrpSpPr>
+        <p:cNvPr id="1" name=""/>
+        <p:cNvGrpSpPr/>
+        <p:nvPr/>
+      </p:nvGrpSpPr>
+      <p:grpSpPr>
+        <a:xfrm>
+          <a:off x="0" y="0"/>
+          <a:ext cx="0" cy="0"/>
+          <a:chOff x="0" y="0"/>
+          <a:chExt cx="0" cy="0"/>
+        </a:xfrm>
+      </p:grpSpPr>
+      <p:sp>
+        <p:nvSpPr>
+          <p:cNvPr id="2" name="Title 1">
+            <a:extLst>
+              <a:ext uri="{FF2B5EF4-FFF2-40B4-BE49-F238E27FC236}">
+                <a16:creationId xmlns:a16="http://schemas.microsoft.com/office/drawing/2014/main" id="{80B9C7D1-1D91-EB4D-D70E-4EFE0966652B}"/>
+              </a:ext>
+            </a:extLst>
+          </p:cNvPr>
+          <p:cNvSpPr>
+            <a:spLocks noGrp="1"/>
+          </p:cNvSpPr>
+          <p:nvPr>
+            <p:ph type="ctrTitle"/>
+          </p:nvPr>
+        </p:nvSpPr>
+        <p:spPr>
+          <a:xfrm>
+            <a:off x="2060400" y="324438"/>
+            <a:ext cx="5023200" cy="505556"/>
+          </a:xfrm>
+        </p:spPr>
+        <p:txBody>
+          <a:bodyPr/>
+          <a:lstStyle/>
+          <a:p>
+            <a:r>
+              <a:rPr lang="en-IN" sz="2800" dirty="0"/>
+              <a:t>OUTLIER HANDLING</a:t>
+            </a:r>
+          </a:p>
+        </p:txBody>
+      </p:sp>
+      <p:pic>
+        <p:nvPicPr>
+          <p:cNvPr id="5" name="Picture 4" descr="A screenshot of a computer screen&#10;&#10;AI-generated content may be incorrect.">
+            <a:extLst>
+              <a:ext uri="{FF2B5EF4-FFF2-40B4-BE49-F238E27FC236}">
+                <a16:creationId xmlns:a16="http://schemas.microsoft.com/office/drawing/2014/main" id="{61C9635C-144B-1D62-EEF8-80A524541184}"/>
+              </a:ext>
+            </a:extLst>
+          </p:cNvPr>
+          <p:cNvPicPr>
+            <a:picLocks noChangeAspect="1"/>
+          </p:cNvPicPr>
+          <p:nvPr/>
+        </p:nvPicPr>
+        <p:blipFill>
+          <a:blip r:embed="rId2"/>
+          <a:stretch>
+            <a:fillRect/>
+          </a:stretch>
+        </p:blipFill>
+        <p:spPr>
+          <a:xfrm>
+            <a:off x="1104900" y="1110322"/>
+            <a:ext cx="6934200" cy="1924050"/>
+          </a:xfrm>
+          <a:prstGeom prst="rect">
+            <a:avLst/>
+          </a:prstGeom>
+        </p:spPr>
+      </p:pic>
+    </p:spTree>
+    <p:extLst>
+      <p:ext uri="{BB962C8B-B14F-4D97-AF65-F5344CB8AC3E}">
+        <p14:creationId xmlns:p14="http://schemas.microsoft.com/office/powerpoint/2010/main" val="4011350893"/>
+      </p:ext>
+    </p:extLst>
+  </p:cSld>
+  <p:clrMapOvr>
+    <a:masterClrMapping/>
+  </p:clrMapOvr>
+</p:sld>
+</file>
+
+<file path=ppt/slides/slide14.xml><?xml version="1.0" encoding="utf-8"?>
+<p:sld xmlns:a="http://schemas.openxmlformats.org/drawingml/2006/main" xmlns:r="http://schemas.openxmlformats.org/officeDocument/2006/relationships" xmlns:p="http://schemas.openxmlformats.org/presentationml/2006/main">
+  <p:cSld>
+    <p:spTree>
+      <p:nvGrpSpPr>
+        <p:cNvPr id="1" name=""/>
+        <p:cNvGrpSpPr/>
+        <p:nvPr/>
+      </p:nvGrpSpPr>
+      <p:grpSpPr>
+        <a:xfrm>
+          <a:off x="0" y="0"/>
+          <a:ext cx="0" cy="0"/>
+          <a:chOff x="0" y="0"/>
+          <a:chExt cx="0" cy="0"/>
+        </a:xfrm>
+      </p:grpSpPr>
+      <p:sp>
+        <p:nvSpPr>
+          <p:cNvPr id="4" name="Title 1">
+            <a:extLst>
+              <a:ext uri="{FF2B5EF4-FFF2-40B4-BE49-F238E27FC236}">
+                <a16:creationId xmlns:a16="http://schemas.microsoft.com/office/drawing/2014/main" id="{2D3C864F-07AC-FEFF-3009-34604ECFA429}"/>
+              </a:ext>
+            </a:extLst>
+          </p:cNvPr>
+          <p:cNvSpPr txBox="1">
+            <a:spLocks/>
+          </p:cNvSpPr>
+          <p:nvPr/>
+        </p:nvSpPr>
+        <p:spPr>
+          <a:xfrm>
+            <a:off x="2060400" y="324438"/>
+            <a:ext cx="5023200" cy="505556"/>
+          </a:xfrm>
+          <a:prstGeom prst="rect">
+            <a:avLst/>
+          </a:prstGeom>
+          <a:noFill/>
+          <a:ln>
+            <a:noFill/>
+          </a:ln>
+        </p:spPr>
+        <p:txBody>
+          <a:bodyPr spcFirstLastPara="1" wrap="square" lIns="91425" tIns="91425" rIns="91425" bIns="91425" anchor="ctr" anchorCtr="0">
+            <a:noAutofit/>
+          </a:bodyPr>
+          <a:lstStyle>
+            <a:defPPr marR="0" lvl="0" algn="l" rtl="0">
+              <a:lnSpc>
+                <a:spcPct val="100000"/>
+              </a:lnSpc>
+              <a:spcBef>
+                <a:spcPts val="0"/>
+              </a:spcBef>
+              <a:spcAft>
+                <a:spcPts val="0"/>
+              </a:spcAft>
+            </a:defPPr>
+            <a:lvl1pPr marR="0" lvl="0" algn="ctr" rtl="0">
+              <a:lnSpc>
+                <a:spcPct val="90000"/>
+              </a:lnSpc>
+              <a:spcBef>
+                <a:spcPts val="0"/>
+              </a:spcBef>
+              <a:spcAft>
+                <a:spcPts val="0"/>
+              </a:spcAft>
+              <a:buClr>
+                <a:srgbClr val="191919"/>
+              </a:buClr>
+              <a:buSzPts val="5500"/>
+              <a:buFont typeface="Nunito"/>
+              <a:buNone/>
+              <a:defRPr sz="5500" b="1" i="0" u="none" strike="noStrike" cap="none">
+                <a:solidFill>
+                  <a:schemeClr val="dk1"/>
+                </a:solidFill>
+                <a:latin typeface="Nunito"/>
+                <a:ea typeface="Nunito"/>
+                <a:cs typeface="Nunito"/>
+                <a:sym typeface="Nunito"/>
+              </a:defRPr>
+            </a:lvl1pPr>
+            <a:lvl2pPr marR="0" lvl="1" algn="ctr" rtl="0">
+              <a:lnSpc>
+                <a:spcPct val="100000"/>
+              </a:lnSpc>
+              <a:spcBef>
+                <a:spcPts val="0"/>
+              </a:spcBef>
+              <a:spcAft>
+                <a:spcPts val="0"/>
+              </a:spcAft>
+              <a:buClr>
+                <a:srgbClr val="191919"/>
+              </a:buClr>
+              <a:buSzPts val="5500"/>
+              <a:buFont typeface="Nunito"/>
+              <a:buNone/>
+              <a:defRPr sz="5500" b="1" i="0" u="none" strike="noStrike" cap="none">
+                <a:solidFill>
+                  <a:srgbClr val="191919"/>
+                </a:solidFill>
+                <a:latin typeface="Nunito"/>
+                <a:ea typeface="Nunito"/>
+                <a:cs typeface="Nunito"/>
+                <a:sym typeface="Nunito"/>
+              </a:defRPr>
+            </a:lvl2pPr>
+            <a:lvl3pPr marR="0" lvl="2" algn="ctr" rtl="0">
+              <a:lnSpc>
+                <a:spcPct val="100000"/>
+              </a:lnSpc>
+              <a:spcBef>
+                <a:spcPts val="0"/>
+              </a:spcBef>
+              <a:spcAft>
+                <a:spcPts val="0"/>
+              </a:spcAft>
+              <a:buClr>
+                <a:srgbClr val="191919"/>
+              </a:buClr>
+              <a:buSzPts val="5500"/>
+              <a:buFont typeface="Nunito"/>
+              <a:buNone/>
+              <a:defRPr sz="5500" b="1" i="0" u="none" strike="noStrike" cap="none">
+                <a:solidFill>
+                  <a:srgbClr val="191919"/>
+                </a:solidFill>
+                <a:latin typeface="Nunito"/>
+                <a:ea typeface="Nunito"/>
+                <a:cs typeface="Nunito"/>
+                <a:sym typeface="Nunito"/>
+              </a:defRPr>
+            </a:lvl3pPr>
+            <a:lvl4pPr marR="0" lvl="3" algn="ctr" rtl="0">
+              <a:lnSpc>
+                <a:spcPct val="100000"/>
+              </a:lnSpc>
+              <a:spcBef>
+                <a:spcPts val="0"/>
+              </a:spcBef>
+              <a:spcAft>
+                <a:spcPts val="0"/>
+              </a:spcAft>
+              <a:buClr>
+                <a:srgbClr val="191919"/>
+              </a:buClr>
+              <a:buSzPts val="5500"/>
+              <a:buFont typeface="Nunito"/>
+              <a:buNone/>
+              <a:defRPr sz="5500" b="1" i="0" u="none" strike="noStrike" cap="none">
+                <a:solidFill>
+                  <a:srgbClr val="191919"/>
+                </a:solidFill>
+                <a:latin typeface="Nunito"/>
+                <a:ea typeface="Nunito"/>
+                <a:cs typeface="Nunito"/>
+                <a:sym typeface="Nunito"/>
+              </a:defRPr>
+            </a:lvl4pPr>
+            <a:lvl5pPr marR="0" lvl="4" algn="ctr" rtl="0">
+              <a:lnSpc>
+                <a:spcPct val="100000"/>
+              </a:lnSpc>
+              <a:spcBef>
+                <a:spcPts val="0"/>
+              </a:spcBef>
+              <a:spcAft>
+                <a:spcPts val="0"/>
+              </a:spcAft>
+              <a:buClr>
+                <a:srgbClr val="191919"/>
+              </a:buClr>
+              <a:buSzPts val="5500"/>
+              <a:buFont typeface="Nunito"/>
+              <a:buNone/>
+              <a:defRPr sz="5500" b="1" i="0" u="none" strike="noStrike" cap="none">
+                <a:solidFill>
+                  <a:srgbClr val="191919"/>
+                </a:solidFill>
+                <a:latin typeface="Nunito"/>
+                <a:ea typeface="Nunito"/>
+                <a:cs typeface="Nunito"/>
+                <a:sym typeface="Nunito"/>
+              </a:defRPr>
+            </a:lvl5pPr>
+            <a:lvl6pPr marR="0" lvl="5" algn="ctr" rtl="0">
+              <a:lnSpc>
+                <a:spcPct val="100000"/>
+              </a:lnSpc>
+              <a:spcBef>
+                <a:spcPts val="0"/>
+              </a:spcBef>
+              <a:spcAft>
+                <a:spcPts val="0"/>
+              </a:spcAft>
+              <a:buClr>
+                <a:srgbClr val="191919"/>
+              </a:buClr>
+              <a:buSzPts val="5500"/>
+              <a:buFont typeface="Nunito"/>
+              <a:buNone/>
+              <a:defRPr sz="5500" b="1" i="0" u="none" strike="noStrike" cap="none">
+                <a:solidFill>
+                  <a:srgbClr val="191919"/>
+                </a:solidFill>
+                <a:latin typeface="Nunito"/>
+                <a:ea typeface="Nunito"/>
+                <a:cs typeface="Nunito"/>
+                <a:sym typeface="Nunito"/>
+              </a:defRPr>
+            </a:lvl6pPr>
+            <a:lvl7pPr marR="0" lvl="6" algn="ctr" rtl="0">
+              <a:lnSpc>
+                <a:spcPct val="100000"/>
+              </a:lnSpc>
+              <a:spcBef>
+                <a:spcPts val="0"/>
+              </a:spcBef>
+              <a:spcAft>
+                <a:spcPts val="0"/>
+              </a:spcAft>
+              <a:buClr>
+                <a:srgbClr val="191919"/>
+              </a:buClr>
+              <a:buSzPts val="5500"/>
+              <a:buFont typeface="Nunito"/>
+              <a:buNone/>
+              <a:defRPr sz="5500" b="1" i="0" u="none" strike="noStrike" cap="none">
+                <a:solidFill>
+                  <a:srgbClr val="191919"/>
+                </a:solidFill>
+                <a:latin typeface="Nunito"/>
+                <a:ea typeface="Nunito"/>
+                <a:cs typeface="Nunito"/>
+                <a:sym typeface="Nunito"/>
+              </a:defRPr>
+            </a:lvl7pPr>
+            <a:lvl8pPr marR="0" lvl="7" algn="ctr" rtl="0">
+              <a:lnSpc>
+                <a:spcPct val="100000"/>
+              </a:lnSpc>
+              <a:spcBef>
+                <a:spcPts val="0"/>
+              </a:spcBef>
+              <a:spcAft>
+                <a:spcPts val="0"/>
+              </a:spcAft>
+              <a:buClr>
+                <a:srgbClr val="191919"/>
+              </a:buClr>
+              <a:buSzPts val="5500"/>
+              <a:buFont typeface="Nunito"/>
+              <a:buNone/>
+              <a:defRPr sz="5500" b="1" i="0" u="none" strike="noStrike" cap="none">
+                <a:solidFill>
+                  <a:srgbClr val="191919"/>
+                </a:solidFill>
+                <a:latin typeface="Nunito"/>
+                <a:ea typeface="Nunito"/>
+                <a:cs typeface="Nunito"/>
+                <a:sym typeface="Nunito"/>
+              </a:defRPr>
+            </a:lvl8pPr>
+            <a:lvl9pPr marR="0" lvl="8" algn="ctr" rtl="0">
+              <a:lnSpc>
+                <a:spcPct val="100000"/>
+              </a:lnSpc>
+              <a:spcBef>
+                <a:spcPts val="0"/>
+              </a:spcBef>
+              <a:spcAft>
+                <a:spcPts val="0"/>
+              </a:spcAft>
+              <a:buClr>
+                <a:srgbClr val="191919"/>
+              </a:buClr>
+              <a:buSzPts val="5500"/>
+              <a:buFont typeface="Nunito"/>
+              <a:buNone/>
+              <a:defRPr sz="5500" b="1" i="0" u="none" strike="noStrike" cap="none">
+                <a:solidFill>
+                  <a:srgbClr val="191919"/>
+                </a:solidFill>
+                <a:latin typeface="Nunito"/>
+                <a:ea typeface="Nunito"/>
+                <a:cs typeface="Nunito"/>
+                <a:sym typeface="Nunito"/>
+              </a:defRPr>
+            </a:lvl9pPr>
+          </a:lstStyle>
+          <a:p>
+            <a:r>
+              <a:rPr lang="en-IN" sz="2800" dirty="0"/>
+              <a:t>OUTLIER HANDLING</a:t>
+            </a:r>
+          </a:p>
+        </p:txBody>
+      </p:sp>
+      <p:pic>
+        <p:nvPicPr>
+          <p:cNvPr id="7" name="Picture 6" descr="A group of graphs showing different sizes of data&#10;&#10;AI-generated content may be incorrect.">
+            <a:extLst>
+              <a:ext uri="{FF2B5EF4-FFF2-40B4-BE49-F238E27FC236}">
+                <a16:creationId xmlns:a16="http://schemas.microsoft.com/office/drawing/2014/main" id="{720EAEEB-79AA-57C3-7D1C-E7AEF9E5EBC7}"/>
+              </a:ext>
+            </a:extLst>
+          </p:cNvPr>
+          <p:cNvPicPr>
+            <a:picLocks noChangeAspect="1"/>
+          </p:cNvPicPr>
+          <p:nvPr/>
+        </p:nvPicPr>
+        <p:blipFill>
+          <a:blip r:embed="rId2"/>
+          <a:stretch>
+            <a:fillRect/>
+          </a:stretch>
+        </p:blipFill>
+        <p:spPr>
+          <a:xfrm>
+            <a:off x="831397" y="887146"/>
+            <a:ext cx="7481206" cy="3860700"/>
+          </a:xfrm>
+          <a:prstGeom prst="rect">
+            <a:avLst/>
+          </a:prstGeom>
+        </p:spPr>
+      </p:pic>
+    </p:spTree>
+    <p:extLst>
+      <p:ext uri="{BB962C8B-B14F-4D97-AF65-F5344CB8AC3E}">
+        <p14:creationId xmlns:p14="http://schemas.microsoft.com/office/powerpoint/2010/main" val="2926075523"/>
+      </p:ext>
+    </p:extLst>
+  </p:cSld>
+  <p:clrMapOvr>
+    <a:masterClrMapping/>
+  </p:clrMapOvr>
+</p:sld>
+</file>
+
 <file path=ppt/slides/slide15.xml><?xml version="1.0" encoding="utf-8"?>
+<p:sld xmlns:a="http://schemas.openxmlformats.org/drawingml/2006/main" xmlns:r="http://schemas.openxmlformats.org/officeDocument/2006/relationships" xmlns:p="http://schemas.openxmlformats.org/presentationml/2006/main">
+  <p:cSld>
+    <p:spTree>
+      <p:nvGrpSpPr>
+        <p:cNvPr id="1" name=""/>
+        <p:cNvGrpSpPr/>
+        <p:nvPr/>
+      </p:nvGrpSpPr>
+      <p:grpSpPr>
+        <a:xfrm>
+          <a:off x="0" y="0"/>
+          <a:ext cx="0" cy="0"/>
+          <a:chOff x="0" y="0"/>
+          <a:chExt cx="0" cy="0"/>
+        </a:xfrm>
+      </p:grpSpPr>
+      <p:sp>
+        <p:nvSpPr>
+          <p:cNvPr id="4" name="Title 1">
+            <a:extLst>
+              <a:ext uri="{FF2B5EF4-FFF2-40B4-BE49-F238E27FC236}">
+                <a16:creationId xmlns:a16="http://schemas.microsoft.com/office/drawing/2014/main" id="{6472243B-B1F4-928A-3411-C745694AE2D7}"/>
+              </a:ext>
+            </a:extLst>
+          </p:cNvPr>
+          <p:cNvSpPr txBox="1">
+            <a:spLocks/>
+          </p:cNvSpPr>
+          <p:nvPr/>
+        </p:nvSpPr>
+        <p:spPr>
+          <a:xfrm>
+            <a:off x="2060400" y="324438"/>
+            <a:ext cx="5023200" cy="505556"/>
+          </a:xfrm>
+          <a:prstGeom prst="rect">
+            <a:avLst/>
+          </a:prstGeom>
+          <a:noFill/>
+          <a:ln>
+            <a:noFill/>
+          </a:ln>
+        </p:spPr>
+        <p:txBody>
+          <a:bodyPr spcFirstLastPara="1" wrap="square" lIns="91425" tIns="91425" rIns="91425" bIns="91425" anchor="ctr" anchorCtr="0">
+            <a:noAutofit/>
+          </a:bodyPr>
+          <a:lstStyle>
+            <a:defPPr marR="0" lvl="0" algn="l" rtl="0">
+              <a:lnSpc>
+                <a:spcPct val="100000"/>
+              </a:lnSpc>
+              <a:spcBef>
+                <a:spcPts val="0"/>
+              </a:spcBef>
+              <a:spcAft>
+                <a:spcPts val="0"/>
+              </a:spcAft>
+            </a:defPPr>
+            <a:lvl1pPr marR="0" lvl="0" algn="ctr" rtl="0">
+              <a:lnSpc>
+                <a:spcPct val="90000"/>
+              </a:lnSpc>
+              <a:spcBef>
+                <a:spcPts val="0"/>
+              </a:spcBef>
+              <a:spcAft>
+                <a:spcPts val="0"/>
+              </a:spcAft>
+              <a:buClr>
+                <a:srgbClr val="191919"/>
+              </a:buClr>
+              <a:buSzPts val="5500"/>
+              <a:buFont typeface="Nunito"/>
+              <a:buNone/>
+              <a:defRPr sz="5500" b="1" i="0" u="none" strike="noStrike" cap="none">
+                <a:solidFill>
+                  <a:schemeClr val="dk1"/>
+                </a:solidFill>
+                <a:latin typeface="Nunito"/>
+                <a:ea typeface="Nunito"/>
+                <a:cs typeface="Nunito"/>
+                <a:sym typeface="Nunito"/>
+              </a:defRPr>
+            </a:lvl1pPr>
+            <a:lvl2pPr marR="0" lvl="1" algn="ctr" rtl="0">
+              <a:lnSpc>
+                <a:spcPct val="100000"/>
+              </a:lnSpc>
+              <a:spcBef>
+                <a:spcPts val="0"/>
+              </a:spcBef>
+              <a:spcAft>
+                <a:spcPts val="0"/>
+              </a:spcAft>
+              <a:buClr>
+                <a:srgbClr val="191919"/>
+              </a:buClr>
+              <a:buSzPts val="5500"/>
+              <a:buFont typeface="Nunito"/>
+              <a:buNone/>
+              <a:defRPr sz="5500" b="1" i="0" u="none" strike="noStrike" cap="none">
+                <a:solidFill>
+                  <a:srgbClr val="191919"/>
+                </a:solidFill>
+                <a:latin typeface="Nunito"/>
+                <a:ea typeface="Nunito"/>
+                <a:cs typeface="Nunito"/>
+                <a:sym typeface="Nunito"/>
+              </a:defRPr>
+            </a:lvl2pPr>
+            <a:lvl3pPr marR="0" lvl="2" algn="ctr" rtl="0">
+              <a:lnSpc>
+                <a:spcPct val="100000"/>
+              </a:lnSpc>
+              <a:spcBef>
+                <a:spcPts val="0"/>
+              </a:spcBef>
+              <a:spcAft>
+                <a:spcPts val="0"/>
+              </a:spcAft>
+              <a:buClr>
+                <a:srgbClr val="191919"/>
+              </a:buClr>
+              <a:buSzPts val="5500"/>
+              <a:buFont typeface="Nunito"/>
+              <a:buNone/>
+              <a:defRPr sz="5500" b="1" i="0" u="none" strike="noStrike" cap="none">
+                <a:solidFill>
+                  <a:srgbClr val="191919"/>
+                </a:solidFill>
+                <a:latin typeface="Nunito"/>
+                <a:ea typeface="Nunito"/>
+                <a:cs typeface="Nunito"/>
+                <a:sym typeface="Nunito"/>
+              </a:defRPr>
+            </a:lvl3pPr>
+            <a:lvl4pPr marR="0" lvl="3" algn="ctr" rtl="0">
+              <a:lnSpc>
+                <a:spcPct val="100000"/>
+              </a:lnSpc>
+              <a:spcBef>
+                <a:spcPts val="0"/>
+              </a:spcBef>
+              <a:spcAft>
+                <a:spcPts val="0"/>
+              </a:spcAft>
+              <a:buClr>
+                <a:srgbClr val="191919"/>
+              </a:buClr>
+              <a:buSzPts val="5500"/>
+              <a:buFont typeface="Nunito"/>
+              <a:buNone/>
+              <a:defRPr sz="5500" b="1" i="0" u="none" strike="noStrike" cap="none">
+                <a:solidFill>
+                  <a:srgbClr val="191919"/>
+                </a:solidFill>
+                <a:latin typeface="Nunito"/>
+                <a:ea typeface="Nunito"/>
+                <a:cs typeface="Nunito"/>
+                <a:sym typeface="Nunito"/>
+              </a:defRPr>
+            </a:lvl4pPr>
+            <a:lvl5pPr marR="0" lvl="4" algn="ctr" rtl="0">
+              <a:lnSpc>
+                <a:spcPct val="100000"/>
+              </a:lnSpc>
+              <a:spcBef>
+                <a:spcPts val="0"/>
+              </a:spcBef>
+              <a:spcAft>
+                <a:spcPts val="0"/>
+              </a:spcAft>
+              <a:buClr>
+                <a:srgbClr val="191919"/>
+              </a:buClr>
+              <a:buSzPts val="5500"/>
+              <a:buFont typeface="Nunito"/>
+              <a:buNone/>
+              <a:defRPr sz="5500" b="1" i="0" u="none" strike="noStrike" cap="none">
+                <a:solidFill>
+                  <a:srgbClr val="191919"/>
+                </a:solidFill>
+                <a:latin typeface="Nunito"/>
+                <a:ea typeface="Nunito"/>
+                <a:cs typeface="Nunito"/>
+                <a:sym typeface="Nunito"/>
+              </a:defRPr>
+            </a:lvl5pPr>
+            <a:lvl6pPr marR="0" lvl="5" algn="ctr" rtl="0">
+              <a:lnSpc>
+                <a:spcPct val="100000"/>
+              </a:lnSpc>
+              <a:spcBef>
+                <a:spcPts val="0"/>
+              </a:spcBef>
+              <a:spcAft>
+                <a:spcPts val="0"/>
+              </a:spcAft>
+              <a:buClr>
+                <a:srgbClr val="191919"/>
+              </a:buClr>
+              <a:buSzPts val="5500"/>
+              <a:buFont typeface="Nunito"/>
+              <a:buNone/>
+              <a:defRPr sz="5500" b="1" i="0" u="none" strike="noStrike" cap="none">
+                <a:solidFill>
+                  <a:srgbClr val="191919"/>
+                </a:solidFill>
+                <a:latin typeface="Nunito"/>
+                <a:ea typeface="Nunito"/>
+                <a:cs typeface="Nunito"/>
+                <a:sym typeface="Nunito"/>
+              </a:defRPr>
+            </a:lvl6pPr>
+            <a:lvl7pPr marR="0" lvl="6" algn="ctr" rtl="0">
+              <a:lnSpc>
+                <a:spcPct val="100000"/>
+              </a:lnSpc>
+              <a:spcBef>
+                <a:spcPts val="0"/>
+              </a:spcBef>
+              <a:spcAft>
+                <a:spcPts val="0"/>
+              </a:spcAft>
+              <a:buClr>
+                <a:srgbClr val="191919"/>
+              </a:buClr>
+              <a:buSzPts val="5500"/>
+              <a:buFont typeface="Nunito"/>
+              <a:buNone/>
+              <a:defRPr sz="5500" b="1" i="0" u="none" strike="noStrike" cap="none">
+                <a:solidFill>
+                  <a:srgbClr val="191919"/>
+                </a:solidFill>
+                <a:latin typeface="Nunito"/>
+                <a:ea typeface="Nunito"/>
+                <a:cs typeface="Nunito"/>
+                <a:sym typeface="Nunito"/>
+              </a:defRPr>
+            </a:lvl7pPr>
+            <a:lvl8pPr marR="0" lvl="7" algn="ctr" rtl="0">
+              <a:lnSpc>
+                <a:spcPct val="100000"/>
+              </a:lnSpc>
+              <a:spcBef>
+                <a:spcPts val="0"/>
+              </a:spcBef>
+              <a:spcAft>
+                <a:spcPts val="0"/>
+              </a:spcAft>
+              <a:buClr>
+                <a:srgbClr val="191919"/>
+              </a:buClr>
+              <a:buSzPts val="5500"/>
+              <a:buFont typeface="Nunito"/>
+              <a:buNone/>
+              <a:defRPr sz="5500" b="1" i="0" u="none" strike="noStrike" cap="none">
+                <a:solidFill>
+                  <a:srgbClr val="191919"/>
+                </a:solidFill>
+                <a:latin typeface="Nunito"/>
+                <a:ea typeface="Nunito"/>
+                <a:cs typeface="Nunito"/>
+                <a:sym typeface="Nunito"/>
+              </a:defRPr>
+            </a:lvl8pPr>
+            <a:lvl9pPr marR="0" lvl="8" algn="ctr" rtl="0">
+              <a:lnSpc>
+                <a:spcPct val="100000"/>
+              </a:lnSpc>
+              <a:spcBef>
+                <a:spcPts val="0"/>
+              </a:spcBef>
+              <a:spcAft>
+                <a:spcPts val="0"/>
+              </a:spcAft>
+              <a:buClr>
+                <a:srgbClr val="191919"/>
+              </a:buClr>
+              <a:buSzPts val="5500"/>
+              <a:buFont typeface="Nunito"/>
+              <a:buNone/>
+              <a:defRPr sz="5500" b="1" i="0" u="none" strike="noStrike" cap="none">
+                <a:solidFill>
+                  <a:srgbClr val="191919"/>
+                </a:solidFill>
+                <a:latin typeface="Nunito"/>
+                <a:ea typeface="Nunito"/>
+                <a:cs typeface="Nunito"/>
+                <a:sym typeface="Nunito"/>
+              </a:defRPr>
+            </a:lvl9pPr>
+          </a:lstStyle>
+          <a:p>
+            <a:r>
+              <a:rPr lang="en-IN" sz="2800" dirty="0"/>
+              <a:t>SKEWNESS</a:t>
+            </a:r>
+          </a:p>
+        </p:txBody>
+      </p:sp>
+      <p:pic>
+        <p:nvPicPr>
+          <p:cNvPr id="7" name="Picture 6" descr="A white text with black text&#10;&#10;AI-generated content may be incorrect.">
+            <a:extLst>
+              <a:ext uri="{FF2B5EF4-FFF2-40B4-BE49-F238E27FC236}">
+                <a16:creationId xmlns:a16="http://schemas.microsoft.com/office/drawing/2014/main" id="{5D4D8E13-B857-BA90-4DDF-EA21CA869AFE}"/>
+              </a:ext>
+            </a:extLst>
+          </p:cNvPr>
+          <p:cNvPicPr>
+            <a:picLocks noChangeAspect="1"/>
+          </p:cNvPicPr>
+          <p:nvPr/>
+        </p:nvPicPr>
+        <p:blipFill>
+          <a:blip r:embed="rId2"/>
+          <a:stretch>
+            <a:fillRect/>
+          </a:stretch>
+        </p:blipFill>
+        <p:spPr>
+          <a:xfrm>
+            <a:off x="436098" y="829994"/>
+            <a:ext cx="4572000" cy="1428750"/>
+          </a:xfrm>
+          <a:prstGeom prst="rect">
+            <a:avLst/>
+          </a:prstGeom>
+        </p:spPr>
+      </p:pic>
+      <p:pic>
+        <p:nvPicPr>
+          <p:cNvPr id="8" name="Picture 7" descr="A graph and chart with numbers&#10;&#10;AI-generated content may be incorrect.">
+            <a:extLst>
+              <a:ext uri="{FF2B5EF4-FFF2-40B4-BE49-F238E27FC236}">
+                <a16:creationId xmlns:a16="http://schemas.microsoft.com/office/drawing/2014/main" id="{014185D0-8A5D-2486-D618-BA126C20B14A}"/>
+              </a:ext>
+            </a:extLst>
+          </p:cNvPr>
+          <p:cNvPicPr>
+            <a:picLocks noChangeAspect="1"/>
+          </p:cNvPicPr>
+          <p:nvPr/>
+        </p:nvPicPr>
+        <p:blipFill>
+          <a:blip r:embed="rId3"/>
+          <a:stretch>
+            <a:fillRect/>
+          </a:stretch>
+        </p:blipFill>
+        <p:spPr>
+          <a:xfrm>
+            <a:off x="2060400" y="2307981"/>
+            <a:ext cx="6731392" cy="2654239"/>
+          </a:xfrm>
+          <a:prstGeom prst="rect">
+            <a:avLst/>
+          </a:prstGeom>
+        </p:spPr>
+      </p:pic>
+    </p:spTree>
+    <p:extLst>
+      <p:ext uri="{BB962C8B-B14F-4D97-AF65-F5344CB8AC3E}">
+        <p14:creationId xmlns:p14="http://schemas.microsoft.com/office/powerpoint/2010/main" val="3778549711"/>
+      </p:ext>
+    </p:extLst>
+  </p:cSld>
+  <p:clrMapOvr>
+    <a:masterClrMapping/>
+  </p:clrMapOvr>
+</p:sld>
+</file>
+
+<file path=ppt/slides/slide16.xml><?xml version="1.0" encoding="utf-8"?>
+<p:sld xmlns:a="http://schemas.openxmlformats.org/drawingml/2006/main" xmlns:r="http://schemas.openxmlformats.org/officeDocument/2006/relationships" xmlns:p="http://schemas.openxmlformats.org/presentationml/2006/main">
+  <p:cSld>
+    <p:spTree>
+      <p:nvGrpSpPr>
+        <p:cNvPr id="1" name=""/>
+        <p:cNvGrpSpPr/>
+        <p:nvPr/>
+      </p:nvGrpSpPr>
+      <p:grpSpPr>
+        <a:xfrm>
+          <a:off x="0" y="0"/>
+          <a:ext cx="0" cy="0"/>
+          <a:chOff x="0" y="0"/>
+          <a:chExt cx="0" cy="0"/>
+        </a:xfrm>
+      </p:grpSpPr>
+      <p:sp>
+        <p:nvSpPr>
+          <p:cNvPr id="4" name="Title 1">
+            <a:extLst>
+              <a:ext uri="{FF2B5EF4-FFF2-40B4-BE49-F238E27FC236}">
+                <a16:creationId xmlns:a16="http://schemas.microsoft.com/office/drawing/2014/main" id="{8CFDA267-A6CB-0534-83E3-7C6E79FF25FB}"/>
+              </a:ext>
+            </a:extLst>
+          </p:cNvPr>
+          <p:cNvSpPr txBox="1">
+            <a:spLocks/>
+          </p:cNvSpPr>
+          <p:nvPr/>
+        </p:nvSpPr>
+        <p:spPr>
+          <a:xfrm>
+            <a:off x="2067434" y="324438"/>
+            <a:ext cx="5023200" cy="505556"/>
+          </a:xfrm>
+          <a:prstGeom prst="rect">
+            <a:avLst/>
+          </a:prstGeom>
+          <a:noFill/>
+          <a:ln>
+            <a:noFill/>
+          </a:ln>
+        </p:spPr>
+        <p:txBody>
+          <a:bodyPr spcFirstLastPara="1" wrap="square" lIns="91425" tIns="91425" rIns="91425" bIns="91425" anchor="ctr" anchorCtr="0">
+            <a:noAutofit/>
+          </a:bodyPr>
+          <a:lstStyle>
+            <a:defPPr marR="0" lvl="0" algn="l" rtl="0">
+              <a:lnSpc>
+                <a:spcPct val="100000"/>
+              </a:lnSpc>
+              <a:spcBef>
+                <a:spcPts val="0"/>
+              </a:spcBef>
+              <a:spcAft>
+                <a:spcPts val="0"/>
+              </a:spcAft>
+            </a:defPPr>
+            <a:lvl1pPr marR="0" lvl="0" algn="ctr" rtl="0">
+              <a:lnSpc>
+                <a:spcPct val="90000"/>
+              </a:lnSpc>
+              <a:spcBef>
+                <a:spcPts val="0"/>
+              </a:spcBef>
+              <a:spcAft>
+                <a:spcPts val="0"/>
+              </a:spcAft>
+              <a:buClr>
+                <a:srgbClr val="191919"/>
+              </a:buClr>
+              <a:buSzPts val="5500"/>
+              <a:buFont typeface="Nunito"/>
+              <a:buNone/>
+              <a:defRPr sz="5500" b="1" i="0" u="none" strike="noStrike" cap="none">
+                <a:solidFill>
+                  <a:schemeClr val="dk1"/>
+                </a:solidFill>
+                <a:latin typeface="Nunito"/>
+                <a:ea typeface="Nunito"/>
+                <a:cs typeface="Nunito"/>
+                <a:sym typeface="Nunito"/>
+              </a:defRPr>
+            </a:lvl1pPr>
+            <a:lvl2pPr marR="0" lvl="1" algn="ctr" rtl="0">
+              <a:lnSpc>
+                <a:spcPct val="100000"/>
+              </a:lnSpc>
+              <a:spcBef>
+                <a:spcPts val="0"/>
+              </a:spcBef>
+              <a:spcAft>
+                <a:spcPts val="0"/>
+              </a:spcAft>
+              <a:buClr>
+                <a:srgbClr val="191919"/>
+              </a:buClr>
+              <a:buSzPts val="5500"/>
+              <a:buFont typeface="Nunito"/>
+              <a:buNone/>
+              <a:defRPr sz="5500" b="1" i="0" u="none" strike="noStrike" cap="none">
+                <a:solidFill>
+                  <a:srgbClr val="191919"/>
+                </a:solidFill>
+                <a:latin typeface="Nunito"/>
+                <a:ea typeface="Nunito"/>
+                <a:cs typeface="Nunito"/>
+                <a:sym typeface="Nunito"/>
+              </a:defRPr>
+            </a:lvl2pPr>
+            <a:lvl3pPr marR="0" lvl="2" algn="ctr" rtl="0">
+              <a:lnSpc>
+                <a:spcPct val="100000"/>
+              </a:lnSpc>
+              <a:spcBef>
+                <a:spcPts val="0"/>
+              </a:spcBef>
+              <a:spcAft>
+                <a:spcPts val="0"/>
+              </a:spcAft>
+              <a:buClr>
+                <a:srgbClr val="191919"/>
+              </a:buClr>
+              <a:buSzPts val="5500"/>
+              <a:buFont typeface="Nunito"/>
+              <a:buNone/>
+              <a:defRPr sz="5500" b="1" i="0" u="none" strike="noStrike" cap="none">
+                <a:solidFill>
+                  <a:srgbClr val="191919"/>
+                </a:solidFill>
+                <a:latin typeface="Nunito"/>
+                <a:ea typeface="Nunito"/>
+                <a:cs typeface="Nunito"/>
+                <a:sym typeface="Nunito"/>
+              </a:defRPr>
+            </a:lvl3pPr>
+            <a:lvl4pPr marR="0" lvl="3" algn="ctr" rtl="0">
+              <a:lnSpc>
+                <a:spcPct val="100000"/>
+              </a:lnSpc>
+              <a:spcBef>
+                <a:spcPts val="0"/>
+              </a:spcBef>
+              <a:spcAft>
+                <a:spcPts val="0"/>
+              </a:spcAft>
+              <a:buClr>
+                <a:srgbClr val="191919"/>
+              </a:buClr>
+              <a:buSzPts val="5500"/>
+              <a:buFont typeface="Nunito"/>
+              <a:buNone/>
+              <a:defRPr sz="5500" b="1" i="0" u="none" strike="noStrike" cap="none">
+                <a:solidFill>
+                  <a:srgbClr val="191919"/>
+                </a:solidFill>
+                <a:latin typeface="Nunito"/>
+                <a:ea typeface="Nunito"/>
+                <a:cs typeface="Nunito"/>
+                <a:sym typeface="Nunito"/>
+              </a:defRPr>
+            </a:lvl4pPr>
+            <a:lvl5pPr marR="0" lvl="4" algn="ctr" rtl="0">
+              <a:lnSpc>
+                <a:spcPct val="100000"/>
+              </a:lnSpc>
+              <a:spcBef>
+                <a:spcPts val="0"/>
+              </a:spcBef>
+              <a:spcAft>
+                <a:spcPts val="0"/>
+              </a:spcAft>
+              <a:buClr>
+                <a:srgbClr val="191919"/>
+              </a:buClr>
+              <a:buSzPts val="5500"/>
+              <a:buFont typeface="Nunito"/>
+              <a:buNone/>
+              <a:defRPr sz="5500" b="1" i="0" u="none" strike="noStrike" cap="none">
+                <a:solidFill>
+                  <a:srgbClr val="191919"/>
+                </a:solidFill>
+                <a:latin typeface="Nunito"/>
+                <a:ea typeface="Nunito"/>
+                <a:cs typeface="Nunito"/>
+                <a:sym typeface="Nunito"/>
+              </a:defRPr>
+            </a:lvl5pPr>
+            <a:lvl6pPr marR="0" lvl="5" algn="ctr" rtl="0">
+              <a:lnSpc>
+                <a:spcPct val="100000"/>
+              </a:lnSpc>
+              <a:spcBef>
+                <a:spcPts val="0"/>
+              </a:spcBef>
+              <a:spcAft>
+                <a:spcPts val="0"/>
+              </a:spcAft>
+              <a:buClr>
+                <a:srgbClr val="191919"/>
+              </a:buClr>
+              <a:buSzPts val="5500"/>
+              <a:buFont typeface="Nunito"/>
+              <a:buNone/>
+              <a:defRPr sz="5500" b="1" i="0" u="none" strike="noStrike" cap="none">
+                <a:solidFill>
+                  <a:srgbClr val="191919"/>
+                </a:solidFill>
+                <a:latin typeface="Nunito"/>
+                <a:ea typeface="Nunito"/>
+                <a:cs typeface="Nunito"/>
+                <a:sym typeface="Nunito"/>
+              </a:defRPr>
+            </a:lvl6pPr>
+            <a:lvl7pPr marR="0" lvl="6" algn="ctr" rtl="0">
+              <a:lnSpc>
+                <a:spcPct val="100000"/>
+              </a:lnSpc>
+              <a:spcBef>
+                <a:spcPts val="0"/>
+              </a:spcBef>
+              <a:spcAft>
+                <a:spcPts val="0"/>
+              </a:spcAft>
+              <a:buClr>
+                <a:srgbClr val="191919"/>
+              </a:buClr>
+              <a:buSzPts val="5500"/>
+              <a:buFont typeface="Nunito"/>
+              <a:buNone/>
+              <a:defRPr sz="5500" b="1" i="0" u="none" strike="noStrike" cap="none">
+                <a:solidFill>
+                  <a:srgbClr val="191919"/>
+                </a:solidFill>
+                <a:latin typeface="Nunito"/>
+                <a:ea typeface="Nunito"/>
+                <a:cs typeface="Nunito"/>
+                <a:sym typeface="Nunito"/>
+              </a:defRPr>
+            </a:lvl7pPr>
+            <a:lvl8pPr marR="0" lvl="7" algn="ctr" rtl="0">
+              <a:lnSpc>
+                <a:spcPct val="100000"/>
+              </a:lnSpc>
+              <a:spcBef>
+                <a:spcPts val="0"/>
+              </a:spcBef>
+              <a:spcAft>
+                <a:spcPts val="0"/>
+              </a:spcAft>
+              <a:buClr>
+                <a:srgbClr val="191919"/>
+              </a:buClr>
+              <a:buSzPts val="5500"/>
+              <a:buFont typeface="Nunito"/>
+              <a:buNone/>
+              <a:defRPr sz="5500" b="1" i="0" u="none" strike="noStrike" cap="none">
+                <a:solidFill>
+                  <a:srgbClr val="191919"/>
+                </a:solidFill>
+                <a:latin typeface="Nunito"/>
+                <a:ea typeface="Nunito"/>
+                <a:cs typeface="Nunito"/>
+                <a:sym typeface="Nunito"/>
+              </a:defRPr>
+            </a:lvl8pPr>
+            <a:lvl9pPr marR="0" lvl="8" algn="ctr" rtl="0">
+              <a:lnSpc>
+                <a:spcPct val="100000"/>
+              </a:lnSpc>
+              <a:spcBef>
+                <a:spcPts val="0"/>
+              </a:spcBef>
+              <a:spcAft>
+                <a:spcPts val="0"/>
+              </a:spcAft>
+              <a:buClr>
+                <a:srgbClr val="191919"/>
+              </a:buClr>
+              <a:buSzPts val="5500"/>
+              <a:buFont typeface="Nunito"/>
+              <a:buNone/>
+              <a:defRPr sz="5500" b="1" i="0" u="none" strike="noStrike" cap="none">
+                <a:solidFill>
+                  <a:srgbClr val="191919"/>
+                </a:solidFill>
+                <a:latin typeface="Nunito"/>
+                <a:ea typeface="Nunito"/>
+                <a:cs typeface="Nunito"/>
+                <a:sym typeface="Nunito"/>
+              </a:defRPr>
+            </a:lvl9pPr>
+          </a:lstStyle>
+          <a:p>
+            <a:r>
+              <a:rPr lang="en-IN" sz="2800" dirty="0"/>
+              <a:t>SKEWNESS</a:t>
+            </a:r>
+          </a:p>
+        </p:txBody>
+      </p:sp>
+      <p:pic>
+        <p:nvPicPr>
+          <p:cNvPr id="12" name="Picture 11" descr="A graph and a chart&#10;&#10;AI-generated content may be incorrect.">
+            <a:extLst>
+              <a:ext uri="{FF2B5EF4-FFF2-40B4-BE49-F238E27FC236}">
+                <a16:creationId xmlns:a16="http://schemas.microsoft.com/office/drawing/2014/main" id="{91788CA6-2060-4467-7CBF-D53C28E95C6E}"/>
+              </a:ext>
+            </a:extLst>
+          </p:cNvPr>
+          <p:cNvPicPr>
+            <a:picLocks noChangeAspect="1"/>
+          </p:cNvPicPr>
+          <p:nvPr/>
+        </p:nvPicPr>
+        <p:blipFill>
+          <a:blip r:embed="rId2"/>
+          <a:stretch>
+            <a:fillRect/>
+          </a:stretch>
+        </p:blipFill>
+        <p:spPr>
+          <a:xfrm>
+            <a:off x="356612" y="1049888"/>
+            <a:ext cx="8430775" cy="2783558"/>
+          </a:xfrm>
+          <a:prstGeom prst="rect">
+            <a:avLst/>
+          </a:prstGeom>
+        </p:spPr>
+      </p:pic>
+    </p:spTree>
+    <p:extLst>
+      <p:ext uri="{BB962C8B-B14F-4D97-AF65-F5344CB8AC3E}">
+        <p14:creationId xmlns:p14="http://schemas.microsoft.com/office/powerpoint/2010/main" val="1891378612"/>
+      </p:ext>
+    </p:extLst>
+  </p:cSld>
+  <p:clrMapOvr>
+    <a:masterClrMapping/>
+  </p:clrMapOvr>
+</p:sld>
+</file>
+
+<file path=ppt/slides/slide17.xml><?xml version="1.0" encoding="utf-8"?>
+<p:sld xmlns:a="http://schemas.openxmlformats.org/drawingml/2006/main" xmlns:r="http://schemas.openxmlformats.org/officeDocument/2006/relationships" xmlns:p="http://schemas.openxmlformats.org/presentationml/2006/main">
+  <p:cSld>
+    <p:spTree>
+      <p:nvGrpSpPr>
+        <p:cNvPr id="1" name=""/>
+        <p:cNvGrpSpPr/>
+        <p:nvPr/>
+      </p:nvGrpSpPr>
+      <p:grpSpPr>
+        <a:xfrm>
+          <a:off x="0" y="0"/>
+          <a:ext cx="0" cy="0"/>
+          <a:chOff x="0" y="0"/>
+          <a:chExt cx="0" cy="0"/>
+        </a:xfrm>
+      </p:grpSpPr>
+      <p:pic>
+        <p:nvPicPr>
+          <p:cNvPr id="5" name="Picture 4" descr="A diagram of a vehicle type distribution&#10;&#10;AI-generated content may be incorrect.">
+            <a:extLst>
+              <a:ext uri="{FF2B5EF4-FFF2-40B4-BE49-F238E27FC236}">
+                <a16:creationId xmlns:a16="http://schemas.microsoft.com/office/drawing/2014/main" id="{B31A35D4-4A03-9D15-AD22-336CE4A622EF}"/>
+              </a:ext>
+            </a:extLst>
+          </p:cNvPr>
+          <p:cNvPicPr>
+            <a:picLocks noChangeAspect="1"/>
+          </p:cNvPicPr>
+          <p:nvPr/>
+        </p:nvPicPr>
+        <p:blipFill>
+          <a:blip r:embed="rId2"/>
+          <a:stretch>
+            <a:fillRect/>
+          </a:stretch>
+        </p:blipFill>
+        <p:spPr>
+          <a:xfrm>
+            <a:off x="1914525" y="883921"/>
+            <a:ext cx="5314950" cy="3924300"/>
+          </a:xfrm>
+          <a:prstGeom prst="rect">
+            <a:avLst/>
+          </a:prstGeom>
+        </p:spPr>
+      </p:pic>
+      <p:sp>
+        <p:nvSpPr>
+          <p:cNvPr id="6" name="Title 1">
+            <a:extLst>
+              <a:ext uri="{FF2B5EF4-FFF2-40B4-BE49-F238E27FC236}">
+                <a16:creationId xmlns:a16="http://schemas.microsoft.com/office/drawing/2014/main" id="{29A35E9F-FD3A-34EB-7D6A-18E4C28B5154}"/>
+              </a:ext>
+            </a:extLst>
+          </p:cNvPr>
+          <p:cNvSpPr txBox="1">
+            <a:spLocks/>
+          </p:cNvSpPr>
+          <p:nvPr/>
+        </p:nvSpPr>
+        <p:spPr>
+          <a:xfrm>
+            <a:off x="2060400" y="261134"/>
+            <a:ext cx="5023200" cy="505556"/>
+          </a:xfrm>
+          <a:prstGeom prst="rect">
+            <a:avLst/>
+          </a:prstGeom>
+          <a:noFill/>
+          <a:ln>
+            <a:noFill/>
+          </a:ln>
+        </p:spPr>
+        <p:txBody>
+          <a:bodyPr spcFirstLastPara="1" wrap="square" lIns="91425" tIns="91425" rIns="91425" bIns="91425" anchor="ctr" anchorCtr="0">
+            <a:noAutofit/>
+          </a:bodyPr>
+          <a:lstStyle>
+            <a:defPPr marR="0" lvl="0" algn="l" rtl="0">
+              <a:lnSpc>
+                <a:spcPct val="100000"/>
+              </a:lnSpc>
+              <a:spcBef>
+                <a:spcPts val="0"/>
+              </a:spcBef>
+              <a:spcAft>
+                <a:spcPts val="0"/>
+              </a:spcAft>
+            </a:defPPr>
+            <a:lvl1pPr marR="0" lvl="0" algn="ctr" rtl="0">
+              <a:lnSpc>
+                <a:spcPct val="90000"/>
+              </a:lnSpc>
+              <a:spcBef>
+                <a:spcPts val="0"/>
+              </a:spcBef>
+              <a:spcAft>
+                <a:spcPts val="0"/>
+              </a:spcAft>
+              <a:buClr>
+                <a:srgbClr val="191919"/>
+              </a:buClr>
+              <a:buSzPts val="5500"/>
+              <a:buFont typeface="Nunito"/>
+              <a:buNone/>
+              <a:defRPr sz="5500" b="1" i="0" u="none" strike="noStrike" cap="none">
+                <a:solidFill>
+                  <a:schemeClr val="dk1"/>
+                </a:solidFill>
+                <a:latin typeface="Nunito"/>
+                <a:ea typeface="Nunito"/>
+                <a:cs typeface="Nunito"/>
+                <a:sym typeface="Nunito"/>
+              </a:defRPr>
+            </a:lvl1pPr>
+            <a:lvl2pPr marR="0" lvl="1" algn="ctr" rtl="0">
+              <a:lnSpc>
+                <a:spcPct val="100000"/>
+              </a:lnSpc>
+              <a:spcBef>
+                <a:spcPts val="0"/>
+              </a:spcBef>
+              <a:spcAft>
+                <a:spcPts val="0"/>
+              </a:spcAft>
+              <a:buClr>
+                <a:srgbClr val="191919"/>
+              </a:buClr>
+              <a:buSzPts val="5500"/>
+              <a:buFont typeface="Nunito"/>
+              <a:buNone/>
+              <a:defRPr sz="5500" b="1" i="0" u="none" strike="noStrike" cap="none">
+                <a:solidFill>
+                  <a:srgbClr val="191919"/>
+                </a:solidFill>
+                <a:latin typeface="Nunito"/>
+                <a:ea typeface="Nunito"/>
+                <a:cs typeface="Nunito"/>
+                <a:sym typeface="Nunito"/>
+              </a:defRPr>
+            </a:lvl2pPr>
+            <a:lvl3pPr marR="0" lvl="2" algn="ctr" rtl="0">
+              <a:lnSpc>
+                <a:spcPct val="100000"/>
+              </a:lnSpc>
+              <a:spcBef>
+                <a:spcPts val="0"/>
+              </a:spcBef>
+              <a:spcAft>
+                <a:spcPts val="0"/>
+              </a:spcAft>
+              <a:buClr>
+                <a:srgbClr val="191919"/>
+              </a:buClr>
+              <a:buSzPts val="5500"/>
+              <a:buFont typeface="Nunito"/>
+              <a:buNone/>
+              <a:defRPr sz="5500" b="1" i="0" u="none" strike="noStrike" cap="none">
+                <a:solidFill>
+                  <a:srgbClr val="191919"/>
+                </a:solidFill>
+                <a:latin typeface="Nunito"/>
+                <a:ea typeface="Nunito"/>
+                <a:cs typeface="Nunito"/>
+                <a:sym typeface="Nunito"/>
+              </a:defRPr>
+            </a:lvl3pPr>
+            <a:lvl4pPr marR="0" lvl="3" algn="ctr" rtl="0">
+              <a:lnSpc>
+                <a:spcPct val="100000"/>
+              </a:lnSpc>
+              <a:spcBef>
+                <a:spcPts val="0"/>
+              </a:spcBef>
+              <a:spcAft>
+                <a:spcPts val="0"/>
+              </a:spcAft>
+              <a:buClr>
+                <a:srgbClr val="191919"/>
+              </a:buClr>
+              <a:buSzPts val="5500"/>
+              <a:buFont typeface="Nunito"/>
+              <a:buNone/>
+              <a:defRPr sz="5500" b="1" i="0" u="none" strike="noStrike" cap="none">
+                <a:solidFill>
+                  <a:srgbClr val="191919"/>
+                </a:solidFill>
+                <a:latin typeface="Nunito"/>
+                <a:ea typeface="Nunito"/>
+                <a:cs typeface="Nunito"/>
+                <a:sym typeface="Nunito"/>
+              </a:defRPr>
+            </a:lvl4pPr>
+            <a:lvl5pPr marR="0" lvl="4" algn="ctr" rtl="0">
+              <a:lnSpc>
+                <a:spcPct val="100000"/>
+              </a:lnSpc>
+              <a:spcBef>
+                <a:spcPts val="0"/>
+              </a:spcBef>
+              <a:spcAft>
+                <a:spcPts val="0"/>
+              </a:spcAft>
+              <a:buClr>
+                <a:srgbClr val="191919"/>
+              </a:buClr>
+              <a:buSzPts val="5500"/>
+              <a:buFont typeface="Nunito"/>
+              <a:buNone/>
+              <a:defRPr sz="5500" b="1" i="0" u="none" strike="noStrike" cap="none">
+                <a:solidFill>
+                  <a:srgbClr val="191919"/>
+                </a:solidFill>
+                <a:latin typeface="Nunito"/>
+                <a:ea typeface="Nunito"/>
+                <a:cs typeface="Nunito"/>
+                <a:sym typeface="Nunito"/>
+              </a:defRPr>
+            </a:lvl5pPr>
+            <a:lvl6pPr marR="0" lvl="5" algn="ctr" rtl="0">
+              <a:lnSpc>
+                <a:spcPct val="100000"/>
+              </a:lnSpc>
+              <a:spcBef>
+                <a:spcPts val="0"/>
+              </a:spcBef>
+              <a:spcAft>
+                <a:spcPts val="0"/>
+              </a:spcAft>
+              <a:buClr>
+                <a:srgbClr val="191919"/>
+              </a:buClr>
+              <a:buSzPts val="5500"/>
+              <a:buFont typeface="Nunito"/>
+              <a:buNone/>
+              <a:defRPr sz="5500" b="1" i="0" u="none" strike="noStrike" cap="none">
+                <a:solidFill>
+                  <a:srgbClr val="191919"/>
+                </a:solidFill>
+                <a:latin typeface="Nunito"/>
+                <a:ea typeface="Nunito"/>
+                <a:cs typeface="Nunito"/>
+                <a:sym typeface="Nunito"/>
+              </a:defRPr>
+            </a:lvl6pPr>
+            <a:lvl7pPr marR="0" lvl="6" algn="ctr" rtl="0">
+              <a:lnSpc>
+                <a:spcPct val="100000"/>
+              </a:lnSpc>
+              <a:spcBef>
+                <a:spcPts val="0"/>
+              </a:spcBef>
+              <a:spcAft>
+                <a:spcPts val="0"/>
+              </a:spcAft>
+              <a:buClr>
+                <a:srgbClr val="191919"/>
+              </a:buClr>
+              <a:buSzPts val="5500"/>
+              <a:buFont typeface="Nunito"/>
+              <a:buNone/>
+              <a:defRPr sz="5500" b="1" i="0" u="none" strike="noStrike" cap="none">
+                <a:solidFill>
+                  <a:srgbClr val="191919"/>
+                </a:solidFill>
+                <a:latin typeface="Nunito"/>
+                <a:ea typeface="Nunito"/>
+                <a:cs typeface="Nunito"/>
+                <a:sym typeface="Nunito"/>
+              </a:defRPr>
+            </a:lvl7pPr>
+            <a:lvl8pPr marR="0" lvl="7" algn="ctr" rtl="0">
+              <a:lnSpc>
+                <a:spcPct val="100000"/>
+              </a:lnSpc>
+              <a:spcBef>
+                <a:spcPts val="0"/>
+              </a:spcBef>
+              <a:spcAft>
+                <a:spcPts val="0"/>
+              </a:spcAft>
+              <a:buClr>
+                <a:srgbClr val="191919"/>
+              </a:buClr>
+              <a:buSzPts val="5500"/>
+              <a:buFont typeface="Nunito"/>
+              <a:buNone/>
+              <a:defRPr sz="5500" b="1" i="0" u="none" strike="noStrike" cap="none">
+                <a:solidFill>
+                  <a:srgbClr val="191919"/>
+                </a:solidFill>
+                <a:latin typeface="Nunito"/>
+                <a:ea typeface="Nunito"/>
+                <a:cs typeface="Nunito"/>
+                <a:sym typeface="Nunito"/>
+              </a:defRPr>
+            </a:lvl8pPr>
+            <a:lvl9pPr marR="0" lvl="8" algn="ctr" rtl="0">
+              <a:lnSpc>
+                <a:spcPct val="100000"/>
+              </a:lnSpc>
+              <a:spcBef>
+                <a:spcPts val="0"/>
+              </a:spcBef>
+              <a:spcAft>
+                <a:spcPts val="0"/>
+              </a:spcAft>
+              <a:buClr>
+                <a:srgbClr val="191919"/>
+              </a:buClr>
+              <a:buSzPts val="5500"/>
+              <a:buFont typeface="Nunito"/>
+              <a:buNone/>
+              <a:defRPr sz="5500" b="1" i="0" u="none" strike="noStrike" cap="none">
+                <a:solidFill>
+                  <a:srgbClr val="191919"/>
+                </a:solidFill>
+                <a:latin typeface="Nunito"/>
+                <a:ea typeface="Nunito"/>
+                <a:cs typeface="Nunito"/>
+                <a:sym typeface="Nunito"/>
+              </a:defRPr>
+            </a:lvl9pPr>
+          </a:lstStyle>
+          <a:p>
+            <a:r>
+              <a:rPr lang="en-IN" sz="2800" dirty="0"/>
+              <a:t>DASHBOARD</a:t>
+            </a:r>
+          </a:p>
+        </p:txBody>
+      </p:sp>
+    </p:spTree>
+    <p:extLst>
+      <p:ext uri="{BB962C8B-B14F-4D97-AF65-F5344CB8AC3E}">
+        <p14:creationId xmlns:p14="http://schemas.microsoft.com/office/powerpoint/2010/main" val="4208607624"/>
+      </p:ext>
+    </p:extLst>
+  </p:cSld>
+  <p:clrMapOvr>
+    <a:masterClrMapping/>
+  </p:clrMapOvr>
+</p:sld>
+</file>
+
+<file path=ppt/slides/slide18.xml><?xml version="1.0" encoding="utf-8"?>
+<p:sld xmlns:a="http://schemas.openxmlformats.org/drawingml/2006/main" xmlns:r="http://schemas.openxmlformats.org/officeDocument/2006/relationships" xmlns:p="http://schemas.openxmlformats.org/presentationml/2006/main">
+  <p:cSld>
+    <p:spTree>
+      <p:nvGrpSpPr>
+        <p:cNvPr id="1" name=""/>
+        <p:cNvGrpSpPr/>
+        <p:nvPr/>
+      </p:nvGrpSpPr>
+      <p:grpSpPr>
+        <a:xfrm>
+          <a:off x="0" y="0"/>
+          <a:ext cx="0" cy="0"/>
+          <a:chOff x="0" y="0"/>
+          <a:chExt cx="0" cy="0"/>
+        </a:xfrm>
+      </p:grpSpPr>
+      <p:pic>
+        <p:nvPicPr>
+          <p:cNvPr id="5" name="Picture 4" descr="A graph showing traffic by road type&#10;&#10;AI-generated content may be incorrect.">
+            <a:extLst>
+              <a:ext uri="{FF2B5EF4-FFF2-40B4-BE49-F238E27FC236}">
+                <a16:creationId xmlns:a16="http://schemas.microsoft.com/office/drawing/2014/main" id="{7141B477-A312-EE14-63B8-292728EDC045}"/>
+              </a:ext>
+            </a:extLst>
+          </p:cNvPr>
+          <p:cNvPicPr>
+            <a:picLocks noChangeAspect="1"/>
+          </p:cNvPicPr>
+          <p:nvPr/>
+        </p:nvPicPr>
+        <p:blipFill>
+          <a:blip r:embed="rId2"/>
+          <a:stretch>
+            <a:fillRect/>
+          </a:stretch>
+        </p:blipFill>
+        <p:spPr>
+          <a:xfrm>
+            <a:off x="1782348" y="866041"/>
+            <a:ext cx="5579304" cy="3984307"/>
+          </a:xfrm>
+          <a:prstGeom prst="rect">
+            <a:avLst/>
+          </a:prstGeom>
+        </p:spPr>
+      </p:pic>
+      <p:sp>
+        <p:nvSpPr>
+          <p:cNvPr id="6" name="Title 1">
+            <a:extLst>
+              <a:ext uri="{FF2B5EF4-FFF2-40B4-BE49-F238E27FC236}">
+                <a16:creationId xmlns:a16="http://schemas.microsoft.com/office/drawing/2014/main" id="{D69FFCBD-44DE-DCB9-0051-A64E59C22F73}"/>
+              </a:ext>
+            </a:extLst>
+          </p:cNvPr>
+          <p:cNvSpPr txBox="1">
+            <a:spLocks/>
+          </p:cNvSpPr>
+          <p:nvPr/>
+        </p:nvSpPr>
+        <p:spPr>
+          <a:xfrm>
+            <a:off x="2060400" y="293152"/>
+            <a:ext cx="5023200" cy="505556"/>
+          </a:xfrm>
+          <a:prstGeom prst="rect">
+            <a:avLst/>
+          </a:prstGeom>
+          <a:noFill/>
+          <a:ln>
+            <a:noFill/>
+          </a:ln>
+        </p:spPr>
+        <p:txBody>
+          <a:bodyPr spcFirstLastPara="1" wrap="square" lIns="91425" tIns="91425" rIns="91425" bIns="91425" anchor="ctr" anchorCtr="0">
+            <a:noAutofit/>
+          </a:bodyPr>
+          <a:lstStyle>
+            <a:defPPr marR="0" lvl="0" algn="l" rtl="0">
+              <a:lnSpc>
+                <a:spcPct val="100000"/>
+              </a:lnSpc>
+              <a:spcBef>
+                <a:spcPts val="0"/>
+              </a:spcBef>
+              <a:spcAft>
+                <a:spcPts val="0"/>
+              </a:spcAft>
+            </a:defPPr>
+            <a:lvl1pPr marR="0" lvl="0" algn="ctr" rtl="0">
+              <a:lnSpc>
+                <a:spcPct val="90000"/>
+              </a:lnSpc>
+              <a:spcBef>
+                <a:spcPts val="0"/>
+              </a:spcBef>
+              <a:spcAft>
+                <a:spcPts val="0"/>
+              </a:spcAft>
+              <a:buClr>
+                <a:srgbClr val="191919"/>
+              </a:buClr>
+              <a:buSzPts val="5500"/>
+              <a:buFont typeface="Nunito"/>
+              <a:buNone/>
+              <a:defRPr sz="5500" b="1" i="0" u="none" strike="noStrike" cap="none">
+                <a:solidFill>
+                  <a:schemeClr val="dk1"/>
+                </a:solidFill>
+                <a:latin typeface="Nunito"/>
+                <a:ea typeface="Nunito"/>
+                <a:cs typeface="Nunito"/>
+                <a:sym typeface="Nunito"/>
+              </a:defRPr>
+            </a:lvl1pPr>
+            <a:lvl2pPr marR="0" lvl="1" algn="ctr" rtl="0">
+              <a:lnSpc>
+                <a:spcPct val="100000"/>
+              </a:lnSpc>
+              <a:spcBef>
+                <a:spcPts val="0"/>
+              </a:spcBef>
+              <a:spcAft>
+                <a:spcPts val="0"/>
+              </a:spcAft>
+              <a:buClr>
+                <a:srgbClr val="191919"/>
+              </a:buClr>
+              <a:buSzPts val="5500"/>
+              <a:buFont typeface="Nunito"/>
+              <a:buNone/>
+              <a:defRPr sz="5500" b="1" i="0" u="none" strike="noStrike" cap="none">
+                <a:solidFill>
+                  <a:srgbClr val="191919"/>
+                </a:solidFill>
+                <a:latin typeface="Nunito"/>
+                <a:ea typeface="Nunito"/>
+                <a:cs typeface="Nunito"/>
+                <a:sym typeface="Nunito"/>
+              </a:defRPr>
+            </a:lvl2pPr>
+            <a:lvl3pPr marR="0" lvl="2" algn="ctr" rtl="0">
+              <a:lnSpc>
+                <a:spcPct val="100000"/>
+              </a:lnSpc>
+              <a:spcBef>
+                <a:spcPts val="0"/>
+              </a:spcBef>
+              <a:spcAft>
+                <a:spcPts val="0"/>
+              </a:spcAft>
+              <a:buClr>
+                <a:srgbClr val="191919"/>
+              </a:buClr>
+              <a:buSzPts val="5500"/>
+              <a:buFont typeface="Nunito"/>
+              <a:buNone/>
+              <a:defRPr sz="5500" b="1" i="0" u="none" strike="noStrike" cap="none">
+                <a:solidFill>
+                  <a:srgbClr val="191919"/>
+                </a:solidFill>
+                <a:latin typeface="Nunito"/>
+                <a:ea typeface="Nunito"/>
+                <a:cs typeface="Nunito"/>
+                <a:sym typeface="Nunito"/>
+              </a:defRPr>
+            </a:lvl3pPr>
+            <a:lvl4pPr marR="0" lvl="3" algn="ctr" rtl="0">
+              <a:lnSpc>
+                <a:spcPct val="100000"/>
+              </a:lnSpc>
+              <a:spcBef>
+                <a:spcPts val="0"/>
+              </a:spcBef>
+              <a:spcAft>
+                <a:spcPts val="0"/>
+              </a:spcAft>
+              <a:buClr>
+                <a:srgbClr val="191919"/>
+              </a:buClr>
+              <a:buSzPts val="5500"/>
+              <a:buFont typeface="Nunito"/>
+              <a:buNone/>
+              <a:defRPr sz="5500" b="1" i="0" u="none" strike="noStrike" cap="none">
+                <a:solidFill>
+                  <a:srgbClr val="191919"/>
+                </a:solidFill>
+                <a:latin typeface="Nunito"/>
+                <a:ea typeface="Nunito"/>
+                <a:cs typeface="Nunito"/>
+                <a:sym typeface="Nunito"/>
+              </a:defRPr>
+            </a:lvl4pPr>
+            <a:lvl5pPr marR="0" lvl="4" algn="ctr" rtl="0">
+              <a:lnSpc>
+                <a:spcPct val="100000"/>
+              </a:lnSpc>
+              <a:spcBef>
+                <a:spcPts val="0"/>
+              </a:spcBef>
+              <a:spcAft>
+                <a:spcPts val="0"/>
+              </a:spcAft>
+              <a:buClr>
+                <a:srgbClr val="191919"/>
+              </a:buClr>
+              <a:buSzPts val="5500"/>
+              <a:buFont typeface="Nunito"/>
+              <a:buNone/>
+              <a:defRPr sz="5500" b="1" i="0" u="none" strike="noStrike" cap="none">
+                <a:solidFill>
+                  <a:srgbClr val="191919"/>
+                </a:solidFill>
+                <a:latin typeface="Nunito"/>
+                <a:ea typeface="Nunito"/>
+                <a:cs typeface="Nunito"/>
+                <a:sym typeface="Nunito"/>
+              </a:defRPr>
+            </a:lvl5pPr>
+            <a:lvl6pPr marR="0" lvl="5" algn="ctr" rtl="0">
+              <a:lnSpc>
+                <a:spcPct val="100000"/>
+              </a:lnSpc>
+              <a:spcBef>
+                <a:spcPts val="0"/>
+              </a:spcBef>
+              <a:spcAft>
+                <a:spcPts val="0"/>
+              </a:spcAft>
+              <a:buClr>
+                <a:srgbClr val="191919"/>
+              </a:buClr>
+              <a:buSzPts val="5500"/>
+              <a:buFont typeface="Nunito"/>
+              <a:buNone/>
+              <a:defRPr sz="5500" b="1" i="0" u="none" strike="noStrike" cap="none">
+                <a:solidFill>
+                  <a:srgbClr val="191919"/>
+                </a:solidFill>
+                <a:latin typeface="Nunito"/>
+                <a:ea typeface="Nunito"/>
+                <a:cs typeface="Nunito"/>
+                <a:sym typeface="Nunito"/>
+              </a:defRPr>
+            </a:lvl6pPr>
+            <a:lvl7pPr marR="0" lvl="6" algn="ctr" rtl="0">
+              <a:lnSpc>
+                <a:spcPct val="100000"/>
+              </a:lnSpc>
+              <a:spcBef>
+                <a:spcPts val="0"/>
+              </a:spcBef>
+              <a:spcAft>
+                <a:spcPts val="0"/>
+              </a:spcAft>
+              <a:buClr>
+                <a:srgbClr val="191919"/>
+              </a:buClr>
+              <a:buSzPts val="5500"/>
+              <a:buFont typeface="Nunito"/>
+              <a:buNone/>
+              <a:defRPr sz="5500" b="1" i="0" u="none" strike="noStrike" cap="none">
+                <a:solidFill>
+                  <a:srgbClr val="191919"/>
+                </a:solidFill>
+                <a:latin typeface="Nunito"/>
+                <a:ea typeface="Nunito"/>
+                <a:cs typeface="Nunito"/>
+                <a:sym typeface="Nunito"/>
+              </a:defRPr>
+            </a:lvl7pPr>
+            <a:lvl8pPr marR="0" lvl="7" algn="ctr" rtl="0">
+              <a:lnSpc>
+                <a:spcPct val="100000"/>
+              </a:lnSpc>
+              <a:spcBef>
+                <a:spcPts val="0"/>
+              </a:spcBef>
+              <a:spcAft>
+                <a:spcPts val="0"/>
+              </a:spcAft>
+              <a:buClr>
+                <a:srgbClr val="191919"/>
+              </a:buClr>
+              <a:buSzPts val="5500"/>
+              <a:buFont typeface="Nunito"/>
+              <a:buNone/>
+              <a:defRPr sz="5500" b="1" i="0" u="none" strike="noStrike" cap="none">
+                <a:solidFill>
+                  <a:srgbClr val="191919"/>
+                </a:solidFill>
+                <a:latin typeface="Nunito"/>
+                <a:ea typeface="Nunito"/>
+                <a:cs typeface="Nunito"/>
+                <a:sym typeface="Nunito"/>
+              </a:defRPr>
+            </a:lvl8pPr>
+            <a:lvl9pPr marR="0" lvl="8" algn="ctr" rtl="0">
+              <a:lnSpc>
+                <a:spcPct val="100000"/>
+              </a:lnSpc>
+              <a:spcBef>
+                <a:spcPts val="0"/>
+              </a:spcBef>
+              <a:spcAft>
+                <a:spcPts val="0"/>
+              </a:spcAft>
+              <a:buClr>
+                <a:srgbClr val="191919"/>
+              </a:buClr>
+              <a:buSzPts val="5500"/>
+              <a:buFont typeface="Nunito"/>
+              <a:buNone/>
+              <a:defRPr sz="5500" b="1" i="0" u="none" strike="noStrike" cap="none">
+                <a:solidFill>
+                  <a:srgbClr val="191919"/>
+                </a:solidFill>
+                <a:latin typeface="Nunito"/>
+                <a:ea typeface="Nunito"/>
+                <a:cs typeface="Nunito"/>
+                <a:sym typeface="Nunito"/>
+              </a:defRPr>
+            </a:lvl9pPr>
+          </a:lstStyle>
+          <a:p>
+            <a:r>
+              <a:rPr lang="en-IN" sz="2800" dirty="0"/>
+              <a:t>DASHBOARD</a:t>
+            </a:r>
+          </a:p>
+        </p:txBody>
+      </p:sp>
+    </p:spTree>
+    <p:extLst>
+      <p:ext uri="{BB962C8B-B14F-4D97-AF65-F5344CB8AC3E}">
+        <p14:creationId xmlns:p14="http://schemas.microsoft.com/office/powerpoint/2010/main" val="3580603391"/>
+      </p:ext>
+    </p:extLst>
+  </p:cSld>
+  <p:clrMapOvr>
+    <a:masterClrMapping/>
+  </p:clrMapOvr>
+</p:sld>
+</file>
+
+<file path=ppt/slides/slide19.xml><?xml version="1.0" encoding="utf-8"?>
 <p:sld xmlns:a="http://schemas.openxmlformats.org/drawingml/2006/main" xmlns:r="http://schemas.openxmlformats.org/officeDocument/2006/relationships" xmlns:p="http://schemas.openxmlformats.org/presentationml/2006/main">
   <p:cSld>
     <p:spTree>
@@ -12211,566 +13878,6 @@
     <p:extLst>
       <p:ext uri="{BB962C8B-B14F-4D97-AF65-F5344CB8AC3E}">
         <p14:creationId xmlns:p14="http://schemas.microsoft.com/office/powerpoint/2010/main" val="3335407417"/>
-      </p:ext>
-    </p:extLst>
-  </p:cSld>
-  <p:clrMapOvr>
-    <a:masterClrMapping/>
-  </p:clrMapOvr>
-</p:sld>
-</file>
-
-<file path=ppt/slides/slide16.xml><?xml version="1.0" encoding="utf-8"?>
-<p:sld xmlns:a="http://schemas.openxmlformats.org/drawingml/2006/main" xmlns:r="http://schemas.openxmlformats.org/officeDocument/2006/relationships" xmlns:p="http://schemas.openxmlformats.org/presentationml/2006/main">
-  <p:cSld>
-    <p:spTree>
-      <p:nvGrpSpPr>
-        <p:cNvPr id="1" name=""/>
-        <p:cNvGrpSpPr/>
-        <p:nvPr/>
-      </p:nvGrpSpPr>
-      <p:grpSpPr>
-        <a:xfrm>
-          <a:off x="0" y="0"/>
-          <a:ext cx="0" cy="0"/>
-          <a:chOff x="0" y="0"/>
-          <a:chExt cx="0" cy="0"/>
-        </a:xfrm>
-      </p:grpSpPr>
-      <p:sp>
-        <p:nvSpPr>
-          <p:cNvPr id="2" name="Title 1">
-            <a:extLst>
-              <a:ext uri="{FF2B5EF4-FFF2-40B4-BE49-F238E27FC236}">
-                <a16:creationId xmlns:a16="http://schemas.microsoft.com/office/drawing/2014/main" id="{ECC849B0-7629-915B-7A24-00507918CF77}"/>
-              </a:ext>
-            </a:extLst>
-          </p:cNvPr>
-          <p:cNvSpPr>
-            <a:spLocks noGrp="1"/>
-          </p:cNvSpPr>
-          <p:nvPr>
-            <p:ph type="ctrTitle"/>
-          </p:nvPr>
-        </p:nvSpPr>
-        <p:spPr>
-          <a:xfrm>
-            <a:off x="2060400" y="335429"/>
-            <a:ext cx="5023200" cy="723605"/>
-          </a:xfrm>
-        </p:spPr>
-        <p:txBody>
-          <a:bodyPr/>
-          <a:lstStyle/>
-          <a:p>
-            <a:r>
-              <a:rPr lang="en-IN" sz="2800" dirty="0"/>
-              <a:t>MODEL BUILDING</a:t>
-            </a:r>
-          </a:p>
-        </p:txBody>
-      </p:sp>
-      <p:sp>
-        <p:nvSpPr>
-          <p:cNvPr id="3" name="Subtitle 2">
-            <a:extLst>
-              <a:ext uri="{FF2B5EF4-FFF2-40B4-BE49-F238E27FC236}">
-                <a16:creationId xmlns:a16="http://schemas.microsoft.com/office/drawing/2014/main" id="{AD69F74E-C9DD-2801-4B08-059D1F6F3FAF}"/>
-              </a:ext>
-            </a:extLst>
-          </p:cNvPr>
-          <p:cNvSpPr>
-            <a:spLocks noGrp="1"/>
-          </p:cNvSpPr>
-          <p:nvPr>
-            <p:ph type="subTitle" idx="1"/>
-          </p:nvPr>
-        </p:nvSpPr>
-        <p:spPr>
-          <a:xfrm>
-            <a:off x="256025" y="1254442"/>
-            <a:ext cx="5023200" cy="1864217"/>
-          </a:xfrm>
-        </p:spPr>
-        <p:txBody>
-          <a:bodyPr/>
-          <a:lstStyle/>
-          <a:p>
-            <a:r>
-              <a:rPr lang="en-IN" sz="1400" dirty="0"/>
-              <a:t>cars_and_taxi feature is chosen to be output for both regression and classification task</a:t>
-            </a:r>
-          </a:p>
-          <a:p>
-            <a:endParaRPr lang="en-IN" sz="1400" dirty="0"/>
-          </a:p>
-          <a:p>
-            <a:r>
-              <a:rPr lang="en-IN" sz="1400" dirty="0"/>
-              <a:t>This represents largest proportion of vehicles travelling in London roads</a:t>
-            </a:r>
-          </a:p>
-          <a:p>
-            <a:endParaRPr lang="en-IN" sz="1400" dirty="0"/>
-          </a:p>
-          <a:p>
-            <a:r>
-              <a:rPr lang="en-IN" sz="1400" dirty="0"/>
-              <a:t>Useful for urban management and congestion control</a:t>
-            </a:r>
-          </a:p>
-          <a:p>
-            <a:endParaRPr lang="en-IN" sz="1400" dirty="0"/>
-          </a:p>
-        </p:txBody>
-      </p:sp>
-      <p:pic>
-        <p:nvPicPr>
-          <p:cNvPr id="5" name="Picture 4">
-            <a:extLst>
-              <a:ext uri="{FF2B5EF4-FFF2-40B4-BE49-F238E27FC236}">
-                <a16:creationId xmlns:a16="http://schemas.microsoft.com/office/drawing/2014/main" id="{9FA8BE58-D916-A49B-FAE2-E6D94FFBDA31}"/>
-              </a:ext>
-            </a:extLst>
-          </p:cNvPr>
-          <p:cNvPicPr>
-            <a:picLocks noChangeAspect="1"/>
-          </p:cNvPicPr>
-          <p:nvPr/>
-        </p:nvPicPr>
-        <p:blipFill>
-          <a:blip r:embed="rId2"/>
-          <a:stretch>
-            <a:fillRect/>
-          </a:stretch>
-        </p:blipFill>
-        <p:spPr>
-          <a:xfrm>
-            <a:off x="4656405" y="3187457"/>
-            <a:ext cx="4030395" cy="1620614"/>
-          </a:xfrm>
-          <a:prstGeom prst="rect">
-            <a:avLst/>
-          </a:prstGeom>
-        </p:spPr>
-      </p:pic>
-    </p:spTree>
-    <p:extLst>
-      <p:ext uri="{BB962C8B-B14F-4D97-AF65-F5344CB8AC3E}">
-        <p14:creationId xmlns:p14="http://schemas.microsoft.com/office/powerpoint/2010/main" val="3688623454"/>
-      </p:ext>
-    </p:extLst>
-  </p:cSld>
-  <p:clrMapOvr>
-    <a:masterClrMapping/>
-  </p:clrMapOvr>
-</p:sld>
-</file>
-
-<file path=ppt/slides/slide17.xml><?xml version="1.0" encoding="utf-8"?>
-<p:sld xmlns:a="http://schemas.openxmlformats.org/drawingml/2006/main" xmlns:r="http://schemas.openxmlformats.org/officeDocument/2006/relationships" xmlns:p="http://schemas.openxmlformats.org/presentationml/2006/main">
-  <p:cSld>
-    <p:spTree>
-      <p:nvGrpSpPr>
-        <p:cNvPr id="1" name=""/>
-        <p:cNvGrpSpPr/>
-        <p:nvPr/>
-      </p:nvGrpSpPr>
-      <p:grpSpPr>
-        <a:xfrm>
-          <a:off x="0" y="0"/>
-          <a:ext cx="0" cy="0"/>
-          <a:chOff x="0" y="0"/>
-          <a:chExt cx="0" cy="0"/>
-        </a:xfrm>
-      </p:grpSpPr>
-      <p:sp>
-        <p:nvSpPr>
-          <p:cNvPr id="2" name="Title 1">
-            <a:extLst>
-              <a:ext uri="{FF2B5EF4-FFF2-40B4-BE49-F238E27FC236}">
-                <a16:creationId xmlns:a16="http://schemas.microsoft.com/office/drawing/2014/main" id="{35A5FA93-A393-6100-3B14-35BF783C6C20}"/>
-              </a:ext>
-            </a:extLst>
-          </p:cNvPr>
-          <p:cNvSpPr>
-            <a:spLocks noGrp="1"/>
-          </p:cNvSpPr>
-          <p:nvPr>
-            <p:ph type="ctrTitle"/>
-          </p:nvPr>
-        </p:nvSpPr>
-        <p:spPr>
-          <a:xfrm>
-            <a:off x="2349046" y="303336"/>
-            <a:ext cx="4445908" cy="639199"/>
-          </a:xfrm>
-        </p:spPr>
-        <p:txBody>
-          <a:bodyPr/>
-          <a:lstStyle/>
-          <a:p>
-            <a:r>
-              <a:rPr lang="en-IN" sz="2800" dirty="0"/>
-              <a:t>REGRESSION METRICS</a:t>
-            </a:r>
-          </a:p>
-        </p:txBody>
-      </p:sp>
-      <p:sp>
-        <p:nvSpPr>
-          <p:cNvPr id="3" name="Subtitle 2">
-            <a:extLst>
-              <a:ext uri="{FF2B5EF4-FFF2-40B4-BE49-F238E27FC236}">
-                <a16:creationId xmlns:a16="http://schemas.microsoft.com/office/drawing/2014/main" id="{3778333E-5D30-8B90-BBD0-ABA5ABF6E95E}"/>
-              </a:ext>
-            </a:extLst>
-          </p:cNvPr>
-          <p:cNvSpPr>
-            <a:spLocks noGrp="1"/>
-          </p:cNvSpPr>
-          <p:nvPr>
-            <p:ph type="subTitle" idx="1"/>
-          </p:nvPr>
-        </p:nvSpPr>
-        <p:spPr>
-          <a:xfrm>
-            <a:off x="1958216" y="3547613"/>
-            <a:ext cx="5335882" cy="1215978"/>
-          </a:xfrm>
-        </p:spPr>
-        <p:txBody>
-          <a:bodyPr/>
-          <a:lstStyle/>
-          <a:p>
-            <a:pPr>
-              <a:buFont typeface="Wingdings" panose="05000000000000000000" pitchFamily="2" charset="2"/>
-              <a:buChar char="q"/>
-            </a:pPr>
-            <a:r>
-              <a:rPr lang="en-IN" sz="1500" dirty="0"/>
-              <a:t>Multilayer Perceptron gave best classification results</a:t>
-            </a:r>
-          </a:p>
-          <a:p>
-            <a:pPr>
-              <a:buFont typeface="Wingdings" panose="05000000000000000000" pitchFamily="2" charset="2"/>
-              <a:buChar char="q"/>
-            </a:pPr>
-            <a:endParaRPr lang="en-IN" sz="1500" dirty="0"/>
-          </a:p>
-          <a:p>
-            <a:pPr>
-              <a:buFont typeface="Wingdings" panose="05000000000000000000" pitchFamily="2" charset="2"/>
-              <a:buChar char="q"/>
-            </a:pPr>
-            <a:r>
-              <a:rPr lang="en-IN" sz="1500" dirty="0"/>
-              <a:t>Random Forest Tree gave second best results</a:t>
-            </a:r>
-          </a:p>
-          <a:p>
-            <a:endParaRPr lang="en-IN" sz="1500" dirty="0"/>
-          </a:p>
-          <a:p>
-            <a:endParaRPr lang="en-IN" sz="1500" dirty="0"/>
-          </a:p>
-        </p:txBody>
-      </p:sp>
-      <p:pic>
-        <p:nvPicPr>
-          <p:cNvPr id="5" name="Picture 4">
-            <a:extLst>
-              <a:ext uri="{FF2B5EF4-FFF2-40B4-BE49-F238E27FC236}">
-                <a16:creationId xmlns:a16="http://schemas.microsoft.com/office/drawing/2014/main" id="{A592743A-D019-4C5E-4DE9-049766C610A7}"/>
-              </a:ext>
-            </a:extLst>
-          </p:cNvPr>
-          <p:cNvPicPr>
-            <a:picLocks noChangeAspect="1"/>
-          </p:cNvPicPr>
-          <p:nvPr/>
-        </p:nvPicPr>
-        <p:blipFill>
-          <a:blip r:embed="rId2"/>
-          <a:stretch>
-            <a:fillRect/>
-          </a:stretch>
-        </p:blipFill>
-        <p:spPr>
-          <a:xfrm>
-            <a:off x="439418" y="1051203"/>
-            <a:ext cx="8265163" cy="2247671"/>
-          </a:xfrm>
-          <a:prstGeom prst="rect">
-            <a:avLst/>
-          </a:prstGeom>
-        </p:spPr>
-      </p:pic>
-    </p:spTree>
-    <p:extLst>
-      <p:ext uri="{BB962C8B-B14F-4D97-AF65-F5344CB8AC3E}">
-        <p14:creationId xmlns:p14="http://schemas.microsoft.com/office/powerpoint/2010/main" val="3283888588"/>
-      </p:ext>
-    </p:extLst>
-  </p:cSld>
-  <p:clrMapOvr>
-    <a:masterClrMapping/>
-  </p:clrMapOvr>
-</p:sld>
-</file>
-
-<file path=ppt/slides/slide18.xml><?xml version="1.0" encoding="utf-8"?>
-<p:sld xmlns:a="http://schemas.openxmlformats.org/drawingml/2006/main" xmlns:r="http://schemas.openxmlformats.org/officeDocument/2006/relationships" xmlns:p="http://schemas.openxmlformats.org/presentationml/2006/main">
-  <p:cSld>
-    <p:spTree>
-      <p:nvGrpSpPr>
-        <p:cNvPr id="1" name=""/>
-        <p:cNvGrpSpPr/>
-        <p:nvPr/>
-      </p:nvGrpSpPr>
-      <p:grpSpPr>
-        <a:xfrm>
-          <a:off x="0" y="0"/>
-          <a:ext cx="0" cy="0"/>
-          <a:chOff x="0" y="0"/>
-          <a:chExt cx="0" cy="0"/>
-        </a:xfrm>
-      </p:grpSpPr>
-      <p:sp>
-        <p:nvSpPr>
-          <p:cNvPr id="2" name="Title 1">
-            <a:extLst>
-              <a:ext uri="{FF2B5EF4-FFF2-40B4-BE49-F238E27FC236}">
-                <a16:creationId xmlns:a16="http://schemas.microsoft.com/office/drawing/2014/main" id="{5E2B2AB1-68CD-F3E0-0871-59D4FB30EFBB}"/>
-              </a:ext>
-            </a:extLst>
-          </p:cNvPr>
-          <p:cNvSpPr>
-            <a:spLocks noGrp="1"/>
-          </p:cNvSpPr>
-          <p:nvPr>
-            <p:ph type="ctrTitle"/>
-          </p:nvPr>
-        </p:nvSpPr>
-        <p:spPr>
-          <a:xfrm>
-            <a:off x="2060399" y="409722"/>
-            <a:ext cx="5023200" cy="457200"/>
-          </a:xfrm>
-        </p:spPr>
-        <p:txBody>
-          <a:bodyPr/>
-          <a:lstStyle/>
-          <a:p>
-            <a:r>
-              <a:rPr lang="en-IN" sz="2800" dirty="0"/>
-              <a:t>REGRESSION METRICS</a:t>
-            </a:r>
-          </a:p>
-        </p:txBody>
-      </p:sp>
-      <p:pic>
-        <p:nvPicPr>
-          <p:cNvPr id="1028" name="Picture 4">
-            <a:extLst>
-              <a:ext uri="{FF2B5EF4-FFF2-40B4-BE49-F238E27FC236}">
-                <a16:creationId xmlns:a16="http://schemas.microsoft.com/office/drawing/2014/main" id="{97E3B6BC-D9BE-F792-B1B9-C774E46560E0}"/>
-              </a:ext>
-            </a:extLst>
-          </p:cNvPr>
-          <p:cNvPicPr>
-            <a:picLocks noChangeAspect="1" noChangeArrowheads="1"/>
-          </p:cNvPicPr>
-          <p:nvPr/>
-        </p:nvPicPr>
-        <p:blipFill>
-          <a:blip r:embed="rId2">
-            <a:extLst>
-              <a:ext uri="{28A0092B-C50C-407E-A947-70E740481C1C}">
-                <a14:useLocalDpi xmlns:a14="http://schemas.microsoft.com/office/drawing/2010/main" val="0"/>
-              </a:ext>
-            </a:extLst>
-          </a:blip>
-          <a:srcRect/>
-          <a:stretch>
-            <a:fillRect/>
-          </a:stretch>
-        </p:blipFill>
-        <p:spPr bwMode="auto">
-          <a:xfrm>
-            <a:off x="851094" y="1197388"/>
-            <a:ext cx="7441809" cy="3212833"/>
-          </a:xfrm>
-          <a:prstGeom prst="rect">
-            <a:avLst/>
-          </a:prstGeom>
-          <a:noFill/>
-          <a:extLst>
-            <a:ext uri="{909E8E84-426E-40DD-AFC4-6F175D3DCCD1}">
-              <a14:hiddenFill xmlns:a14="http://schemas.microsoft.com/office/drawing/2010/main">
-                <a:solidFill>
-                  <a:srgbClr val="FFFFFF"/>
-                </a:solidFill>
-              </a14:hiddenFill>
-            </a:ext>
-          </a:extLst>
-        </p:spPr>
-      </p:pic>
-    </p:spTree>
-    <p:extLst>
-      <p:ext uri="{BB962C8B-B14F-4D97-AF65-F5344CB8AC3E}">
-        <p14:creationId xmlns:p14="http://schemas.microsoft.com/office/powerpoint/2010/main" val="1666280492"/>
-      </p:ext>
-    </p:extLst>
-  </p:cSld>
-  <p:clrMapOvr>
-    <a:masterClrMapping/>
-  </p:clrMapOvr>
-</p:sld>
-</file>
-
-<file path=ppt/slides/slide19.xml><?xml version="1.0" encoding="utf-8"?>
-<p:sld xmlns:a="http://schemas.openxmlformats.org/drawingml/2006/main" xmlns:r="http://schemas.openxmlformats.org/officeDocument/2006/relationships" xmlns:p="http://schemas.openxmlformats.org/presentationml/2006/main">
-  <p:cSld>
-    <p:spTree>
-      <p:nvGrpSpPr>
-        <p:cNvPr id="1" name=""/>
-        <p:cNvGrpSpPr/>
-        <p:nvPr/>
-      </p:nvGrpSpPr>
-      <p:grpSpPr>
-        <a:xfrm>
-          <a:off x="0" y="0"/>
-          <a:ext cx="0" cy="0"/>
-          <a:chOff x="0" y="0"/>
-          <a:chExt cx="0" cy="0"/>
-        </a:xfrm>
-      </p:grpSpPr>
-      <p:sp>
-        <p:nvSpPr>
-          <p:cNvPr id="2" name="Title 1">
-            <a:extLst>
-              <a:ext uri="{FF2B5EF4-FFF2-40B4-BE49-F238E27FC236}">
-                <a16:creationId xmlns:a16="http://schemas.microsoft.com/office/drawing/2014/main" id="{C790DD08-FA53-945F-541A-A8386C861277}"/>
-              </a:ext>
-            </a:extLst>
-          </p:cNvPr>
-          <p:cNvSpPr>
-            <a:spLocks noGrp="1"/>
-          </p:cNvSpPr>
-          <p:nvPr>
-            <p:ph type="ctrTitle"/>
-          </p:nvPr>
-        </p:nvSpPr>
-        <p:spPr>
-          <a:xfrm>
-            <a:off x="2060400" y="388183"/>
-            <a:ext cx="5023200" cy="618097"/>
-          </a:xfrm>
-        </p:spPr>
-        <p:txBody>
-          <a:bodyPr/>
-          <a:lstStyle/>
-          <a:p>
-            <a:r>
-              <a:rPr lang="en-IN" sz="2800" dirty="0"/>
-              <a:t>CLASSIFICATION METRICS</a:t>
-            </a:r>
-          </a:p>
-        </p:txBody>
-      </p:sp>
-      <p:sp>
-        <p:nvSpPr>
-          <p:cNvPr id="3" name="Subtitle 2">
-            <a:extLst>
-              <a:ext uri="{FF2B5EF4-FFF2-40B4-BE49-F238E27FC236}">
-                <a16:creationId xmlns:a16="http://schemas.microsoft.com/office/drawing/2014/main" id="{0C09C2B7-68C3-0620-9FC0-CA01679CF9E7}"/>
-              </a:ext>
-            </a:extLst>
-          </p:cNvPr>
-          <p:cNvSpPr>
-            <a:spLocks noGrp="1"/>
-          </p:cNvSpPr>
-          <p:nvPr>
-            <p:ph type="subTitle" idx="1"/>
-          </p:nvPr>
-        </p:nvSpPr>
-        <p:spPr>
-          <a:xfrm>
-            <a:off x="1860193" y="3701117"/>
-            <a:ext cx="5423612" cy="1054200"/>
-          </a:xfrm>
-        </p:spPr>
-        <p:txBody>
-          <a:bodyPr/>
-          <a:lstStyle/>
-          <a:p>
-            <a:pPr>
-              <a:buFont typeface="Wingdings" panose="05000000000000000000" pitchFamily="2" charset="2"/>
-              <a:buChar char="q"/>
-            </a:pPr>
-            <a:r>
-              <a:rPr lang="en-IN" sz="1400" dirty="0"/>
-              <a:t>Random Forest Classifier gave best classification results</a:t>
-            </a:r>
-          </a:p>
-          <a:p>
-            <a:pPr>
-              <a:buFont typeface="Wingdings" panose="05000000000000000000" pitchFamily="2" charset="2"/>
-              <a:buChar char="q"/>
-            </a:pPr>
-            <a:endParaRPr lang="en-IN" sz="1400" dirty="0"/>
-          </a:p>
-          <a:p>
-            <a:pPr>
-              <a:buFont typeface="Wingdings" panose="05000000000000000000" pitchFamily="2" charset="2"/>
-              <a:buChar char="q"/>
-            </a:pPr>
-            <a:r>
-              <a:rPr lang="en-IN" sz="1400" dirty="0"/>
-              <a:t>Multilayer Perceptron gave second best results</a:t>
-            </a:r>
-          </a:p>
-          <a:p>
-            <a:endParaRPr lang="en-IN" sz="1400" dirty="0"/>
-          </a:p>
-        </p:txBody>
-      </p:sp>
-      <p:pic>
-        <p:nvPicPr>
-          <p:cNvPr id="5" name="Picture 4">
-            <a:extLst>
-              <a:ext uri="{FF2B5EF4-FFF2-40B4-BE49-F238E27FC236}">
-                <a16:creationId xmlns:a16="http://schemas.microsoft.com/office/drawing/2014/main" id="{0827EABB-ABAC-8DD0-E58A-FFC1D7FC779F}"/>
-              </a:ext>
-            </a:extLst>
-          </p:cNvPr>
-          <p:cNvPicPr>
-            <a:picLocks noChangeAspect="1"/>
-          </p:cNvPicPr>
-          <p:nvPr/>
-        </p:nvPicPr>
-        <p:blipFill>
-          <a:blip r:embed="rId2"/>
-          <a:stretch>
-            <a:fillRect/>
-          </a:stretch>
-        </p:blipFill>
-        <p:spPr>
-          <a:xfrm>
-            <a:off x="418807" y="1237293"/>
-            <a:ext cx="8306385" cy="2162477"/>
-          </a:xfrm>
-          <a:prstGeom prst="rect">
-            <a:avLst/>
-          </a:prstGeom>
-        </p:spPr>
-      </p:pic>
-    </p:spTree>
-    <p:extLst>
-      <p:ext uri="{BB962C8B-B14F-4D97-AF65-F5344CB8AC3E}">
-        <p14:creationId xmlns:p14="http://schemas.microsoft.com/office/powerpoint/2010/main" val="3137735976"/>
       </p:ext>
     </p:extLst>
   </p:cSld>
@@ -13293,6 +14400,566 @@
 </file>
 
 <file path=ppt/slides/slide20.xml><?xml version="1.0" encoding="utf-8"?>
+<p:sld xmlns:a="http://schemas.openxmlformats.org/drawingml/2006/main" xmlns:r="http://schemas.openxmlformats.org/officeDocument/2006/relationships" xmlns:p="http://schemas.openxmlformats.org/presentationml/2006/main">
+  <p:cSld>
+    <p:spTree>
+      <p:nvGrpSpPr>
+        <p:cNvPr id="1" name=""/>
+        <p:cNvGrpSpPr/>
+        <p:nvPr/>
+      </p:nvGrpSpPr>
+      <p:grpSpPr>
+        <a:xfrm>
+          <a:off x="0" y="0"/>
+          <a:ext cx="0" cy="0"/>
+          <a:chOff x="0" y="0"/>
+          <a:chExt cx="0" cy="0"/>
+        </a:xfrm>
+      </p:grpSpPr>
+      <p:sp>
+        <p:nvSpPr>
+          <p:cNvPr id="2" name="Title 1">
+            <a:extLst>
+              <a:ext uri="{FF2B5EF4-FFF2-40B4-BE49-F238E27FC236}">
+                <a16:creationId xmlns:a16="http://schemas.microsoft.com/office/drawing/2014/main" id="{ECC849B0-7629-915B-7A24-00507918CF77}"/>
+              </a:ext>
+            </a:extLst>
+          </p:cNvPr>
+          <p:cNvSpPr>
+            <a:spLocks noGrp="1"/>
+          </p:cNvSpPr>
+          <p:nvPr>
+            <p:ph type="ctrTitle"/>
+          </p:nvPr>
+        </p:nvSpPr>
+        <p:spPr>
+          <a:xfrm>
+            <a:off x="2060400" y="335429"/>
+            <a:ext cx="5023200" cy="723605"/>
+          </a:xfrm>
+        </p:spPr>
+        <p:txBody>
+          <a:bodyPr/>
+          <a:lstStyle/>
+          <a:p>
+            <a:r>
+              <a:rPr lang="en-IN" sz="2800" dirty="0"/>
+              <a:t>MODEL BUILDING</a:t>
+            </a:r>
+          </a:p>
+        </p:txBody>
+      </p:sp>
+      <p:sp>
+        <p:nvSpPr>
+          <p:cNvPr id="3" name="Subtitle 2">
+            <a:extLst>
+              <a:ext uri="{FF2B5EF4-FFF2-40B4-BE49-F238E27FC236}">
+                <a16:creationId xmlns:a16="http://schemas.microsoft.com/office/drawing/2014/main" id="{AD69F74E-C9DD-2801-4B08-059D1F6F3FAF}"/>
+              </a:ext>
+            </a:extLst>
+          </p:cNvPr>
+          <p:cNvSpPr>
+            <a:spLocks noGrp="1"/>
+          </p:cNvSpPr>
+          <p:nvPr>
+            <p:ph type="subTitle" idx="1"/>
+          </p:nvPr>
+        </p:nvSpPr>
+        <p:spPr>
+          <a:xfrm>
+            <a:off x="256025" y="1254442"/>
+            <a:ext cx="5023200" cy="1864217"/>
+          </a:xfrm>
+        </p:spPr>
+        <p:txBody>
+          <a:bodyPr/>
+          <a:lstStyle/>
+          <a:p>
+            <a:r>
+              <a:rPr lang="en-IN" sz="1400" dirty="0"/>
+              <a:t>cars_and_taxi feature is chosen to be output for both regression and classification task</a:t>
+            </a:r>
+          </a:p>
+          <a:p>
+            <a:endParaRPr lang="en-IN" sz="1400" dirty="0"/>
+          </a:p>
+          <a:p>
+            <a:r>
+              <a:rPr lang="en-IN" sz="1400" dirty="0"/>
+              <a:t>This represents largest proportion of vehicles travelling in London roads</a:t>
+            </a:r>
+          </a:p>
+          <a:p>
+            <a:endParaRPr lang="en-IN" sz="1400" dirty="0"/>
+          </a:p>
+          <a:p>
+            <a:r>
+              <a:rPr lang="en-IN" sz="1400" dirty="0"/>
+              <a:t>Useful for urban management and congestion control</a:t>
+            </a:r>
+          </a:p>
+          <a:p>
+            <a:endParaRPr lang="en-IN" sz="1400" dirty="0"/>
+          </a:p>
+        </p:txBody>
+      </p:sp>
+      <p:pic>
+        <p:nvPicPr>
+          <p:cNvPr id="5" name="Picture 4">
+            <a:extLst>
+              <a:ext uri="{FF2B5EF4-FFF2-40B4-BE49-F238E27FC236}">
+                <a16:creationId xmlns:a16="http://schemas.microsoft.com/office/drawing/2014/main" id="{9FA8BE58-D916-A49B-FAE2-E6D94FFBDA31}"/>
+              </a:ext>
+            </a:extLst>
+          </p:cNvPr>
+          <p:cNvPicPr>
+            <a:picLocks noChangeAspect="1"/>
+          </p:cNvPicPr>
+          <p:nvPr/>
+        </p:nvPicPr>
+        <p:blipFill>
+          <a:blip r:embed="rId2"/>
+          <a:stretch>
+            <a:fillRect/>
+          </a:stretch>
+        </p:blipFill>
+        <p:spPr>
+          <a:xfrm>
+            <a:off x="4656405" y="3187457"/>
+            <a:ext cx="4030395" cy="1620614"/>
+          </a:xfrm>
+          <a:prstGeom prst="rect">
+            <a:avLst/>
+          </a:prstGeom>
+        </p:spPr>
+      </p:pic>
+    </p:spTree>
+    <p:extLst>
+      <p:ext uri="{BB962C8B-B14F-4D97-AF65-F5344CB8AC3E}">
+        <p14:creationId xmlns:p14="http://schemas.microsoft.com/office/powerpoint/2010/main" val="3688623454"/>
+      </p:ext>
+    </p:extLst>
+  </p:cSld>
+  <p:clrMapOvr>
+    <a:masterClrMapping/>
+  </p:clrMapOvr>
+</p:sld>
+</file>
+
+<file path=ppt/slides/slide21.xml><?xml version="1.0" encoding="utf-8"?>
+<p:sld xmlns:a="http://schemas.openxmlformats.org/drawingml/2006/main" xmlns:r="http://schemas.openxmlformats.org/officeDocument/2006/relationships" xmlns:p="http://schemas.openxmlformats.org/presentationml/2006/main">
+  <p:cSld>
+    <p:spTree>
+      <p:nvGrpSpPr>
+        <p:cNvPr id="1" name=""/>
+        <p:cNvGrpSpPr/>
+        <p:nvPr/>
+      </p:nvGrpSpPr>
+      <p:grpSpPr>
+        <a:xfrm>
+          <a:off x="0" y="0"/>
+          <a:ext cx="0" cy="0"/>
+          <a:chOff x="0" y="0"/>
+          <a:chExt cx="0" cy="0"/>
+        </a:xfrm>
+      </p:grpSpPr>
+      <p:sp>
+        <p:nvSpPr>
+          <p:cNvPr id="2" name="Title 1">
+            <a:extLst>
+              <a:ext uri="{FF2B5EF4-FFF2-40B4-BE49-F238E27FC236}">
+                <a16:creationId xmlns:a16="http://schemas.microsoft.com/office/drawing/2014/main" id="{35A5FA93-A393-6100-3B14-35BF783C6C20}"/>
+              </a:ext>
+            </a:extLst>
+          </p:cNvPr>
+          <p:cNvSpPr>
+            <a:spLocks noGrp="1"/>
+          </p:cNvSpPr>
+          <p:nvPr>
+            <p:ph type="ctrTitle"/>
+          </p:nvPr>
+        </p:nvSpPr>
+        <p:spPr>
+          <a:xfrm>
+            <a:off x="2349046" y="303336"/>
+            <a:ext cx="4445908" cy="639199"/>
+          </a:xfrm>
+        </p:spPr>
+        <p:txBody>
+          <a:bodyPr/>
+          <a:lstStyle/>
+          <a:p>
+            <a:r>
+              <a:rPr lang="en-IN" sz="2800" dirty="0"/>
+              <a:t>REGRESSION METRICS</a:t>
+            </a:r>
+          </a:p>
+        </p:txBody>
+      </p:sp>
+      <p:sp>
+        <p:nvSpPr>
+          <p:cNvPr id="3" name="Subtitle 2">
+            <a:extLst>
+              <a:ext uri="{FF2B5EF4-FFF2-40B4-BE49-F238E27FC236}">
+                <a16:creationId xmlns:a16="http://schemas.microsoft.com/office/drawing/2014/main" id="{3778333E-5D30-8B90-BBD0-ABA5ABF6E95E}"/>
+              </a:ext>
+            </a:extLst>
+          </p:cNvPr>
+          <p:cNvSpPr>
+            <a:spLocks noGrp="1"/>
+          </p:cNvSpPr>
+          <p:nvPr>
+            <p:ph type="subTitle" idx="1"/>
+          </p:nvPr>
+        </p:nvSpPr>
+        <p:spPr>
+          <a:xfrm>
+            <a:off x="1958216" y="3547613"/>
+            <a:ext cx="5335882" cy="1215978"/>
+          </a:xfrm>
+        </p:spPr>
+        <p:txBody>
+          <a:bodyPr/>
+          <a:lstStyle/>
+          <a:p>
+            <a:pPr>
+              <a:buFont typeface="Wingdings" panose="05000000000000000000" pitchFamily="2" charset="2"/>
+              <a:buChar char="q"/>
+            </a:pPr>
+            <a:r>
+              <a:rPr lang="en-IN" sz="1500" dirty="0"/>
+              <a:t>Multilayer Perceptron gave best classification results</a:t>
+            </a:r>
+          </a:p>
+          <a:p>
+            <a:pPr>
+              <a:buFont typeface="Wingdings" panose="05000000000000000000" pitchFamily="2" charset="2"/>
+              <a:buChar char="q"/>
+            </a:pPr>
+            <a:endParaRPr lang="en-IN" sz="1500" dirty="0"/>
+          </a:p>
+          <a:p>
+            <a:pPr>
+              <a:buFont typeface="Wingdings" panose="05000000000000000000" pitchFamily="2" charset="2"/>
+              <a:buChar char="q"/>
+            </a:pPr>
+            <a:r>
+              <a:rPr lang="en-IN" sz="1500" dirty="0"/>
+              <a:t>Random Forest Tree gave second best results</a:t>
+            </a:r>
+          </a:p>
+          <a:p>
+            <a:endParaRPr lang="en-IN" sz="1500" dirty="0"/>
+          </a:p>
+          <a:p>
+            <a:endParaRPr lang="en-IN" sz="1500" dirty="0"/>
+          </a:p>
+        </p:txBody>
+      </p:sp>
+      <p:pic>
+        <p:nvPicPr>
+          <p:cNvPr id="5" name="Picture 4">
+            <a:extLst>
+              <a:ext uri="{FF2B5EF4-FFF2-40B4-BE49-F238E27FC236}">
+                <a16:creationId xmlns:a16="http://schemas.microsoft.com/office/drawing/2014/main" id="{A592743A-D019-4C5E-4DE9-049766C610A7}"/>
+              </a:ext>
+            </a:extLst>
+          </p:cNvPr>
+          <p:cNvPicPr>
+            <a:picLocks noChangeAspect="1"/>
+          </p:cNvPicPr>
+          <p:nvPr/>
+        </p:nvPicPr>
+        <p:blipFill>
+          <a:blip r:embed="rId2"/>
+          <a:stretch>
+            <a:fillRect/>
+          </a:stretch>
+        </p:blipFill>
+        <p:spPr>
+          <a:xfrm>
+            <a:off x="439418" y="1051203"/>
+            <a:ext cx="8265163" cy="2247671"/>
+          </a:xfrm>
+          <a:prstGeom prst="rect">
+            <a:avLst/>
+          </a:prstGeom>
+        </p:spPr>
+      </p:pic>
+    </p:spTree>
+    <p:extLst>
+      <p:ext uri="{BB962C8B-B14F-4D97-AF65-F5344CB8AC3E}">
+        <p14:creationId xmlns:p14="http://schemas.microsoft.com/office/powerpoint/2010/main" val="3283888588"/>
+      </p:ext>
+    </p:extLst>
+  </p:cSld>
+  <p:clrMapOvr>
+    <a:masterClrMapping/>
+  </p:clrMapOvr>
+</p:sld>
+</file>
+
+<file path=ppt/slides/slide22.xml><?xml version="1.0" encoding="utf-8"?>
+<p:sld xmlns:a="http://schemas.openxmlformats.org/drawingml/2006/main" xmlns:r="http://schemas.openxmlformats.org/officeDocument/2006/relationships" xmlns:p="http://schemas.openxmlformats.org/presentationml/2006/main">
+  <p:cSld>
+    <p:spTree>
+      <p:nvGrpSpPr>
+        <p:cNvPr id="1" name=""/>
+        <p:cNvGrpSpPr/>
+        <p:nvPr/>
+      </p:nvGrpSpPr>
+      <p:grpSpPr>
+        <a:xfrm>
+          <a:off x="0" y="0"/>
+          <a:ext cx="0" cy="0"/>
+          <a:chOff x="0" y="0"/>
+          <a:chExt cx="0" cy="0"/>
+        </a:xfrm>
+      </p:grpSpPr>
+      <p:sp>
+        <p:nvSpPr>
+          <p:cNvPr id="2" name="Title 1">
+            <a:extLst>
+              <a:ext uri="{FF2B5EF4-FFF2-40B4-BE49-F238E27FC236}">
+                <a16:creationId xmlns:a16="http://schemas.microsoft.com/office/drawing/2014/main" id="{5E2B2AB1-68CD-F3E0-0871-59D4FB30EFBB}"/>
+              </a:ext>
+            </a:extLst>
+          </p:cNvPr>
+          <p:cNvSpPr>
+            <a:spLocks noGrp="1"/>
+          </p:cNvSpPr>
+          <p:nvPr>
+            <p:ph type="ctrTitle"/>
+          </p:nvPr>
+        </p:nvSpPr>
+        <p:spPr>
+          <a:xfrm>
+            <a:off x="2060399" y="409722"/>
+            <a:ext cx="5023200" cy="457200"/>
+          </a:xfrm>
+        </p:spPr>
+        <p:txBody>
+          <a:bodyPr/>
+          <a:lstStyle/>
+          <a:p>
+            <a:r>
+              <a:rPr lang="en-IN" sz="2800" dirty="0"/>
+              <a:t>REGRESSION METRICS</a:t>
+            </a:r>
+          </a:p>
+        </p:txBody>
+      </p:sp>
+      <p:pic>
+        <p:nvPicPr>
+          <p:cNvPr id="1028" name="Picture 4">
+            <a:extLst>
+              <a:ext uri="{FF2B5EF4-FFF2-40B4-BE49-F238E27FC236}">
+                <a16:creationId xmlns:a16="http://schemas.microsoft.com/office/drawing/2014/main" id="{97E3B6BC-D9BE-F792-B1B9-C774E46560E0}"/>
+              </a:ext>
+            </a:extLst>
+          </p:cNvPr>
+          <p:cNvPicPr>
+            <a:picLocks noChangeAspect="1" noChangeArrowheads="1"/>
+          </p:cNvPicPr>
+          <p:nvPr/>
+        </p:nvPicPr>
+        <p:blipFill>
+          <a:blip r:embed="rId2">
+            <a:extLst>
+              <a:ext uri="{28A0092B-C50C-407E-A947-70E740481C1C}">
+                <a14:useLocalDpi xmlns:a14="http://schemas.microsoft.com/office/drawing/2010/main" val="0"/>
+              </a:ext>
+            </a:extLst>
+          </a:blip>
+          <a:srcRect/>
+          <a:stretch>
+            <a:fillRect/>
+          </a:stretch>
+        </p:blipFill>
+        <p:spPr bwMode="auto">
+          <a:xfrm>
+            <a:off x="851094" y="1197388"/>
+            <a:ext cx="7441809" cy="3212833"/>
+          </a:xfrm>
+          <a:prstGeom prst="rect">
+            <a:avLst/>
+          </a:prstGeom>
+          <a:noFill/>
+          <a:extLst>
+            <a:ext uri="{909E8E84-426E-40DD-AFC4-6F175D3DCCD1}">
+              <a14:hiddenFill xmlns:a14="http://schemas.microsoft.com/office/drawing/2010/main">
+                <a:solidFill>
+                  <a:srgbClr val="FFFFFF"/>
+                </a:solidFill>
+              </a14:hiddenFill>
+            </a:ext>
+          </a:extLst>
+        </p:spPr>
+      </p:pic>
+    </p:spTree>
+    <p:extLst>
+      <p:ext uri="{BB962C8B-B14F-4D97-AF65-F5344CB8AC3E}">
+        <p14:creationId xmlns:p14="http://schemas.microsoft.com/office/powerpoint/2010/main" val="1666280492"/>
+      </p:ext>
+    </p:extLst>
+  </p:cSld>
+  <p:clrMapOvr>
+    <a:masterClrMapping/>
+  </p:clrMapOvr>
+</p:sld>
+</file>
+
+<file path=ppt/slides/slide23.xml><?xml version="1.0" encoding="utf-8"?>
+<p:sld xmlns:a="http://schemas.openxmlformats.org/drawingml/2006/main" xmlns:r="http://schemas.openxmlformats.org/officeDocument/2006/relationships" xmlns:p="http://schemas.openxmlformats.org/presentationml/2006/main">
+  <p:cSld>
+    <p:spTree>
+      <p:nvGrpSpPr>
+        <p:cNvPr id="1" name=""/>
+        <p:cNvGrpSpPr/>
+        <p:nvPr/>
+      </p:nvGrpSpPr>
+      <p:grpSpPr>
+        <a:xfrm>
+          <a:off x="0" y="0"/>
+          <a:ext cx="0" cy="0"/>
+          <a:chOff x="0" y="0"/>
+          <a:chExt cx="0" cy="0"/>
+        </a:xfrm>
+      </p:grpSpPr>
+      <p:sp>
+        <p:nvSpPr>
+          <p:cNvPr id="2" name="Title 1">
+            <a:extLst>
+              <a:ext uri="{FF2B5EF4-FFF2-40B4-BE49-F238E27FC236}">
+                <a16:creationId xmlns:a16="http://schemas.microsoft.com/office/drawing/2014/main" id="{C790DD08-FA53-945F-541A-A8386C861277}"/>
+              </a:ext>
+            </a:extLst>
+          </p:cNvPr>
+          <p:cNvSpPr>
+            <a:spLocks noGrp="1"/>
+          </p:cNvSpPr>
+          <p:nvPr>
+            <p:ph type="ctrTitle"/>
+          </p:nvPr>
+        </p:nvSpPr>
+        <p:spPr>
+          <a:xfrm>
+            <a:off x="2060400" y="388183"/>
+            <a:ext cx="5023200" cy="618097"/>
+          </a:xfrm>
+        </p:spPr>
+        <p:txBody>
+          <a:bodyPr/>
+          <a:lstStyle/>
+          <a:p>
+            <a:r>
+              <a:rPr lang="en-IN" sz="2800" dirty="0"/>
+              <a:t>CLASSIFICATION METRICS</a:t>
+            </a:r>
+          </a:p>
+        </p:txBody>
+      </p:sp>
+      <p:sp>
+        <p:nvSpPr>
+          <p:cNvPr id="3" name="Subtitle 2">
+            <a:extLst>
+              <a:ext uri="{FF2B5EF4-FFF2-40B4-BE49-F238E27FC236}">
+                <a16:creationId xmlns:a16="http://schemas.microsoft.com/office/drawing/2014/main" id="{0C09C2B7-68C3-0620-9FC0-CA01679CF9E7}"/>
+              </a:ext>
+            </a:extLst>
+          </p:cNvPr>
+          <p:cNvSpPr>
+            <a:spLocks noGrp="1"/>
+          </p:cNvSpPr>
+          <p:nvPr>
+            <p:ph type="subTitle" idx="1"/>
+          </p:nvPr>
+        </p:nvSpPr>
+        <p:spPr>
+          <a:xfrm>
+            <a:off x="1860193" y="3701117"/>
+            <a:ext cx="5423612" cy="1054200"/>
+          </a:xfrm>
+        </p:spPr>
+        <p:txBody>
+          <a:bodyPr/>
+          <a:lstStyle/>
+          <a:p>
+            <a:pPr>
+              <a:buFont typeface="Wingdings" panose="05000000000000000000" pitchFamily="2" charset="2"/>
+              <a:buChar char="q"/>
+            </a:pPr>
+            <a:r>
+              <a:rPr lang="en-IN" sz="1400" dirty="0"/>
+              <a:t>Random Forest Classifier gave best classification results</a:t>
+            </a:r>
+          </a:p>
+          <a:p>
+            <a:pPr>
+              <a:buFont typeface="Wingdings" panose="05000000000000000000" pitchFamily="2" charset="2"/>
+              <a:buChar char="q"/>
+            </a:pPr>
+            <a:endParaRPr lang="en-IN" sz="1400" dirty="0"/>
+          </a:p>
+          <a:p>
+            <a:pPr>
+              <a:buFont typeface="Wingdings" panose="05000000000000000000" pitchFamily="2" charset="2"/>
+              <a:buChar char="q"/>
+            </a:pPr>
+            <a:r>
+              <a:rPr lang="en-IN" sz="1400" dirty="0"/>
+              <a:t>Multilayer Perceptron gave second best results</a:t>
+            </a:r>
+          </a:p>
+          <a:p>
+            <a:endParaRPr lang="en-IN" sz="1400" dirty="0"/>
+          </a:p>
+        </p:txBody>
+      </p:sp>
+      <p:pic>
+        <p:nvPicPr>
+          <p:cNvPr id="5" name="Picture 4">
+            <a:extLst>
+              <a:ext uri="{FF2B5EF4-FFF2-40B4-BE49-F238E27FC236}">
+                <a16:creationId xmlns:a16="http://schemas.microsoft.com/office/drawing/2014/main" id="{0827EABB-ABAC-8DD0-E58A-FFC1D7FC779F}"/>
+              </a:ext>
+            </a:extLst>
+          </p:cNvPr>
+          <p:cNvPicPr>
+            <a:picLocks noChangeAspect="1"/>
+          </p:cNvPicPr>
+          <p:nvPr/>
+        </p:nvPicPr>
+        <p:blipFill>
+          <a:blip r:embed="rId2"/>
+          <a:stretch>
+            <a:fillRect/>
+          </a:stretch>
+        </p:blipFill>
+        <p:spPr>
+          <a:xfrm>
+            <a:off x="418807" y="1237293"/>
+            <a:ext cx="8306385" cy="2162477"/>
+          </a:xfrm>
+          <a:prstGeom prst="rect">
+            <a:avLst/>
+          </a:prstGeom>
+        </p:spPr>
+      </p:pic>
+    </p:spTree>
+    <p:extLst>
+      <p:ext uri="{BB962C8B-B14F-4D97-AF65-F5344CB8AC3E}">
+        <p14:creationId xmlns:p14="http://schemas.microsoft.com/office/powerpoint/2010/main" val="3137735976"/>
+      </p:ext>
+    </p:extLst>
+  </p:cSld>
+  <p:clrMapOvr>
+    <a:masterClrMapping/>
+  </p:clrMapOvr>
+</p:sld>
+</file>
+
+<file path=ppt/slides/slide24.xml><?xml version="1.0" encoding="utf-8"?>
 <p:sld xmlns:a="http://schemas.openxmlformats.org/drawingml/2006/main" xmlns:r="http://schemas.openxmlformats.org/officeDocument/2006/relationships" xmlns:p="http://schemas.openxmlformats.org/presentationml/2006/main">
   <p:cSld>
     <p:spTree>
